--- a/presentation.pptx
+++ b/presentation.pptx
@@ -7,13 +7,14 @@
   <p:sldIdLst>
     <p:sldId id="256" r:id="rId2"/>
     <p:sldId id="257" r:id="rId3"/>
-    <p:sldId id="269" r:id="rId4"/>
-    <p:sldId id="270" r:id="rId5"/>
+    <p:sldId id="270" r:id="rId4"/>
+    <p:sldId id="269" r:id="rId5"/>
     <p:sldId id="262" r:id="rId6"/>
     <p:sldId id="263" r:id="rId7"/>
     <p:sldId id="264" r:id="rId8"/>
-    <p:sldId id="266" r:id="rId9"/>
-    <p:sldId id="267" r:id="rId10"/>
+    <p:sldId id="271" r:id="rId9"/>
+    <p:sldId id="266" r:id="rId10"/>
+    <p:sldId id="267" r:id="rId11"/>
   </p:sldIdLst>
   <p:sldSz cx="12192000" cy="6858000"/>
   <p:notesSz cx="6858000" cy="9144000"/>
@@ -112,6 +113,11 @@
       </a:defRPr>
     </a:lvl9pPr>
   </p:defaultTextStyle>
+  <p:extLst>
+    <p:ext uri="{EFAFB233-063F-42B5-8137-9DF3F51BA10A}">
+      <p15:sldGuideLst xmlns:p15="http://schemas.microsoft.com/office/powerpoint/2012/main"/>
+    </p:ext>
+  </p:extLst>
 </p:presentation>
 </file>
 
@@ -262,7 +268,7 @@
           <a:p>
             <a:fld id="{454B2ADC-9C16-451D-84BE-8E867E157F7B}" type="datetimeFigureOut">
               <a:rPr lang="en-US" smtClean="0"/>
-              <a:t>11/1/2019</a:t>
+              <a:t>11/2/2019</a:t>
             </a:fld>
             <a:endParaRPr lang="en-US"/>
           </a:p>
@@ -460,7 +466,7 @@
           <a:p>
             <a:fld id="{454B2ADC-9C16-451D-84BE-8E867E157F7B}" type="datetimeFigureOut">
               <a:rPr lang="en-US" smtClean="0"/>
-              <a:t>11/1/2019</a:t>
+              <a:t>11/2/2019</a:t>
             </a:fld>
             <a:endParaRPr lang="en-US"/>
           </a:p>
@@ -668,7 +674,7 @@
           <a:p>
             <a:fld id="{454B2ADC-9C16-451D-84BE-8E867E157F7B}" type="datetimeFigureOut">
               <a:rPr lang="en-US" smtClean="0"/>
-              <a:t>11/1/2019</a:t>
+              <a:t>11/2/2019</a:t>
             </a:fld>
             <a:endParaRPr lang="en-US"/>
           </a:p>
@@ -866,7 +872,7 @@
           <a:p>
             <a:fld id="{454B2ADC-9C16-451D-84BE-8E867E157F7B}" type="datetimeFigureOut">
               <a:rPr lang="en-US" smtClean="0"/>
-              <a:t>11/1/2019</a:t>
+              <a:t>11/2/2019</a:t>
             </a:fld>
             <a:endParaRPr lang="en-US"/>
           </a:p>
@@ -1141,7 +1147,7 @@
           <a:p>
             <a:fld id="{454B2ADC-9C16-451D-84BE-8E867E157F7B}" type="datetimeFigureOut">
               <a:rPr lang="en-US" smtClean="0"/>
-              <a:t>11/1/2019</a:t>
+              <a:t>11/2/2019</a:t>
             </a:fld>
             <a:endParaRPr lang="en-US"/>
           </a:p>
@@ -1406,7 +1412,7 @@
           <a:p>
             <a:fld id="{454B2ADC-9C16-451D-84BE-8E867E157F7B}" type="datetimeFigureOut">
               <a:rPr lang="en-US" smtClean="0"/>
-              <a:t>11/1/2019</a:t>
+              <a:t>11/2/2019</a:t>
             </a:fld>
             <a:endParaRPr lang="en-US"/>
           </a:p>
@@ -1818,7 +1824,7 @@
           <a:p>
             <a:fld id="{454B2ADC-9C16-451D-84BE-8E867E157F7B}" type="datetimeFigureOut">
               <a:rPr lang="en-US" smtClean="0"/>
-              <a:t>11/1/2019</a:t>
+              <a:t>11/2/2019</a:t>
             </a:fld>
             <a:endParaRPr lang="en-US"/>
           </a:p>
@@ -1959,7 +1965,7 @@
           <a:p>
             <a:fld id="{454B2ADC-9C16-451D-84BE-8E867E157F7B}" type="datetimeFigureOut">
               <a:rPr lang="en-US" smtClean="0"/>
-              <a:t>11/1/2019</a:t>
+              <a:t>11/2/2019</a:t>
             </a:fld>
             <a:endParaRPr lang="en-US"/>
           </a:p>
@@ -2072,7 +2078,7 @@
           <a:p>
             <a:fld id="{454B2ADC-9C16-451D-84BE-8E867E157F7B}" type="datetimeFigureOut">
               <a:rPr lang="en-US" smtClean="0"/>
-              <a:t>11/1/2019</a:t>
+              <a:t>11/2/2019</a:t>
             </a:fld>
             <a:endParaRPr lang="en-US"/>
           </a:p>
@@ -2383,7 +2389,7 @@
           <a:p>
             <a:fld id="{454B2ADC-9C16-451D-84BE-8E867E157F7B}" type="datetimeFigureOut">
               <a:rPr lang="en-US" smtClean="0"/>
-              <a:t>11/1/2019</a:t>
+              <a:t>11/2/2019</a:t>
             </a:fld>
             <a:endParaRPr lang="en-US"/>
           </a:p>
@@ -2671,7 +2677,7 @@
           <a:p>
             <a:fld id="{454B2ADC-9C16-451D-84BE-8E867E157F7B}" type="datetimeFigureOut">
               <a:rPr lang="en-US" smtClean="0"/>
-              <a:t>11/1/2019</a:t>
+              <a:t>11/2/2019</a:t>
             </a:fld>
             <a:endParaRPr lang="en-US"/>
           </a:p>
@@ -2912,7 +2918,7 @@
           <a:p>
             <a:fld id="{454B2ADC-9C16-451D-84BE-8E867E157F7B}" type="datetimeFigureOut">
               <a:rPr lang="en-US" smtClean="0"/>
-              <a:t>11/1/2019</a:t>
+              <a:t>11/2/2019</a:t>
             </a:fld>
             <a:endParaRPr lang="en-US"/>
           </a:p>
@@ -3568,6 +3574,754 @@
   <p:clrMapOvr>
     <a:masterClrMapping/>
   </p:clrMapOvr>
+  <p:timing>
+    <p:tnLst>
+      <p:par>
+        <p:cTn id="1" dur="indefinite" restart="never" nodeType="tmRoot">
+          <p:childTnLst>
+            <p:seq concurrent="1" nextAc="seek">
+              <p:cTn id="2" dur="indefinite" nodeType="mainSeq">
+                <p:childTnLst>
+                  <p:par>
+                    <p:cTn id="3" fill="hold">
+                      <p:stCondLst>
+                        <p:cond delay="indefinite"/>
+                      </p:stCondLst>
+                      <p:childTnLst>
+                        <p:par>
+                          <p:cTn id="4" fill="hold">
+                            <p:stCondLst>
+                              <p:cond delay="0"/>
+                            </p:stCondLst>
+                            <p:childTnLst>
+                              <p:par>
+                                <p:cTn id="5" presetID="10" presetClass="entr" presetSubtype="0" fill="hold" grpId="1" nodeType="clickEffect">
+                                  <p:stCondLst>
+                                    <p:cond delay="0"/>
+                                  </p:stCondLst>
+                                  <p:childTnLst>
+                                    <p:set>
+                                      <p:cBhvr>
+                                        <p:cTn id="6" dur="1" fill="hold">
+                                          <p:stCondLst>
+                                            <p:cond delay="0"/>
+                                          </p:stCondLst>
+                                        </p:cTn>
+                                        <p:tgtEl>
+                                          <p:spTgt spid="4">
+                                            <p:txEl>
+                                              <p:pRg st="0" end="0"/>
+                                            </p:txEl>
+                                          </p:spTgt>
+                                        </p:tgtEl>
+                                        <p:attrNameLst>
+                                          <p:attrName>style.visibility</p:attrName>
+                                        </p:attrNameLst>
+                                      </p:cBhvr>
+                                      <p:to>
+                                        <p:strVal val="visible"/>
+                                      </p:to>
+                                    </p:set>
+                                    <p:animEffect transition="in" filter="fade">
+                                      <p:cBhvr>
+                                        <p:cTn id="7" dur="500"/>
+                                        <p:tgtEl>
+                                          <p:spTgt spid="4">
+                                            <p:txEl>
+                                              <p:pRg st="0" end="0"/>
+                                            </p:txEl>
+                                          </p:spTgt>
+                                        </p:tgtEl>
+                                      </p:cBhvr>
+                                    </p:animEffect>
+                                  </p:childTnLst>
+                                </p:cTn>
+                              </p:par>
+                              <p:par>
+                                <p:cTn id="8" presetID="10" presetClass="entr" presetSubtype="0" fill="hold" grpId="1" nodeType="withEffect">
+                                  <p:stCondLst>
+                                    <p:cond delay="0"/>
+                                  </p:stCondLst>
+                                  <p:iterate type="lt">
+                                    <p:tmPct val="0"/>
+                                  </p:iterate>
+                                  <p:childTnLst>
+                                    <p:set>
+                                      <p:cBhvr>
+                                        <p:cTn id="9" dur="1" fill="hold">
+                                          <p:stCondLst>
+                                            <p:cond delay="0"/>
+                                          </p:stCondLst>
+                                        </p:cTn>
+                                        <p:tgtEl>
+                                          <p:spTgt spid="4">
+                                            <p:txEl>
+                                              <p:pRg st="1" end="1"/>
+                                            </p:txEl>
+                                          </p:spTgt>
+                                        </p:tgtEl>
+                                        <p:attrNameLst>
+                                          <p:attrName>style.visibility</p:attrName>
+                                        </p:attrNameLst>
+                                      </p:cBhvr>
+                                      <p:to>
+                                        <p:strVal val="visible"/>
+                                      </p:to>
+                                    </p:set>
+                                    <p:animEffect transition="in" filter="fade">
+                                      <p:cBhvr>
+                                        <p:cTn id="10" dur="500"/>
+                                        <p:tgtEl>
+                                          <p:spTgt spid="4">
+                                            <p:txEl>
+                                              <p:pRg st="1" end="1"/>
+                                            </p:txEl>
+                                          </p:spTgt>
+                                        </p:tgtEl>
+                                      </p:cBhvr>
+                                    </p:animEffect>
+                                  </p:childTnLst>
+                                </p:cTn>
+                              </p:par>
+                              <p:par>
+                                <p:cTn id="11" presetID="32" presetClass="emph" presetSubtype="0" fill="hold" grpId="0" nodeType="withEffect">
+                                  <p:stCondLst>
+                                    <p:cond delay="0"/>
+                                  </p:stCondLst>
+                                  <p:childTnLst>
+                                    <p:animRot by="120000">
+                                      <p:cBhvr>
+                                        <p:cTn id="12" dur="150" fill="hold">
+                                          <p:stCondLst>
+                                            <p:cond delay="0"/>
+                                          </p:stCondLst>
+                                        </p:cTn>
+                                        <p:tgtEl>
+                                          <p:spTgt spid="4">
+                                            <p:txEl>
+                                              <p:pRg st="0" end="0"/>
+                                            </p:txEl>
+                                          </p:spTgt>
+                                        </p:tgtEl>
+                                        <p:attrNameLst>
+                                          <p:attrName>r</p:attrName>
+                                        </p:attrNameLst>
+                                      </p:cBhvr>
+                                    </p:animRot>
+                                    <p:animRot by="-240000">
+                                      <p:cBhvr>
+                                        <p:cTn id="13" dur="300" fill="hold">
+                                          <p:stCondLst>
+                                            <p:cond delay="300"/>
+                                          </p:stCondLst>
+                                        </p:cTn>
+                                        <p:tgtEl>
+                                          <p:spTgt spid="4">
+                                            <p:txEl>
+                                              <p:pRg st="0" end="0"/>
+                                            </p:txEl>
+                                          </p:spTgt>
+                                        </p:tgtEl>
+                                        <p:attrNameLst>
+                                          <p:attrName>r</p:attrName>
+                                        </p:attrNameLst>
+                                      </p:cBhvr>
+                                    </p:animRot>
+                                    <p:animRot by="240000">
+                                      <p:cBhvr>
+                                        <p:cTn id="14" dur="300" fill="hold">
+                                          <p:stCondLst>
+                                            <p:cond delay="600"/>
+                                          </p:stCondLst>
+                                        </p:cTn>
+                                        <p:tgtEl>
+                                          <p:spTgt spid="4">
+                                            <p:txEl>
+                                              <p:pRg st="0" end="0"/>
+                                            </p:txEl>
+                                          </p:spTgt>
+                                        </p:tgtEl>
+                                        <p:attrNameLst>
+                                          <p:attrName>r</p:attrName>
+                                        </p:attrNameLst>
+                                      </p:cBhvr>
+                                    </p:animRot>
+                                    <p:animRot by="-240000">
+                                      <p:cBhvr>
+                                        <p:cTn id="15" dur="300" fill="hold">
+                                          <p:stCondLst>
+                                            <p:cond delay="900"/>
+                                          </p:stCondLst>
+                                        </p:cTn>
+                                        <p:tgtEl>
+                                          <p:spTgt spid="4">
+                                            <p:txEl>
+                                              <p:pRg st="0" end="0"/>
+                                            </p:txEl>
+                                          </p:spTgt>
+                                        </p:tgtEl>
+                                        <p:attrNameLst>
+                                          <p:attrName>r</p:attrName>
+                                        </p:attrNameLst>
+                                      </p:cBhvr>
+                                    </p:animRot>
+                                    <p:animRot by="120000">
+                                      <p:cBhvr>
+                                        <p:cTn id="16" dur="300" fill="hold">
+                                          <p:stCondLst>
+                                            <p:cond delay="1200"/>
+                                          </p:stCondLst>
+                                        </p:cTn>
+                                        <p:tgtEl>
+                                          <p:spTgt spid="4">
+                                            <p:txEl>
+                                              <p:pRg st="0" end="0"/>
+                                            </p:txEl>
+                                          </p:spTgt>
+                                        </p:tgtEl>
+                                        <p:attrNameLst>
+                                          <p:attrName>r</p:attrName>
+                                        </p:attrNameLst>
+                                      </p:cBhvr>
+                                    </p:animRot>
+                                  </p:childTnLst>
+                                </p:cTn>
+                              </p:par>
+                              <p:par>
+                                <p:cTn id="17" presetID="34" presetClass="emph" presetSubtype="0" fill="hold" grpId="0" nodeType="withEffect">
+                                  <p:stCondLst>
+                                    <p:cond delay="0"/>
+                                  </p:stCondLst>
+                                  <p:iterate type="lt">
+                                    <p:tmPct val="10000"/>
+                                  </p:iterate>
+                                  <p:childTnLst>
+                                    <p:animMotion origin="layout" path="M 0.0 0.0 L 0.0 -0.07213" pathEditMode="relative" ptsTypes="">
+                                      <p:cBhvr>
+                                        <p:cTn id="18" dur="500" accel="50000" decel="50000" autoRev="1" fill="hold">
+                                          <p:stCondLst>
+                                            <p:cond delay="0"/>
+                                          </p:stCondLst>
+                                        </p:cTn>
+                                        <p:tgtEl>
+                                          <p:spTgt spid="4">
+                                            <p:txEl>
+                                              <p:pRg st="1" end="1"/>
+                                            </p:txEl>
+                                          </p:spTgt>
+                                        </p:tgtEl>
+                                        <p:attrNameLst>
+                                          <p:attrName>ppt_x</p:attrName>
+                                          <p:attrName>ppt_y</p:attrName>
+                                        </p:attrNameLst>
+                                      </p:cBhvr>
+                                    </p:animMotion>
+                                    <p:animRot by="1500000">
+                                      <p:cBhvr>
+                                        <p:cTn id="19" dur="250" fill="hold">
+                                          <p:stCondLst>
+                                            <p:cond delay="0"/>
+                                          </p:stCondLst>
+                                        </p:cTn>
+                                        <p:tgtEl>
+                                          <p:spTgt spid="4">
+                                            <p:txEl>
+                                              <p:pRg st="1" end="1"/>
+                                            </p:txEl>
+                                          </p:spTgt>
+                                        </p:tgtEl>
+                                        <p:attrNameLst>
+                                          <p:attrName>r</p:attrName>
+                                        </p:attrNameLst>
+                                      </p:cBhvr>
+                                    </p:animRot>
+                                    <p:animRot by="-1500000">
+                                      <p:cBhvr>
+                                        <p:cTn id="20" dur="250" fill="hold">
+                                          <p:stCondLst>
+                                            <p:cond delay="250"/>
+                                          </p:stCondLst>
+                                        </p:cTn>
+                                        <p:tgtEl>
+                                          <p:spTgt spid="4">
+                                            <p:txEl>
+                                              <p:pRg st="1" end="1"/>
+                                            </p:txEl>
+                                          </p:spTgt>
+                                        </p:tgtEl>
+                                        <p:attrNameLst>
+                                          <p:attrName>r</p:attrName>
+                                        </p:attrNameLst>
+                                      </p:cBhvr>
+                                    </p:animRot>
+                                    <p:animRot by="-1500000">
+                                      <p:cBhvr>
+                                        <p:cTn id="21" dur="250" fill="hold">
+                                          <p:stCondLst>
+                                            <p:cond delay="500"/>
+                                          </p:stCondLst>
+                                        </p:cTn>
+                                        <p:tgtEl>
+                                          <p:spTgt spid="4">
+                                            <p:txEl>
+                                              <p:pRg st="1" end="1"/>
+                                            </p:txEl>
+                                          </p:spTgt>
+                                        </p:tgtEl>
+                                        <p:attrNameLst>
+                                          <p:attrName>r</p:attrName>
+                                        </p:attrNameLst>
+                                      </p:cBhvr>
+                                    </p:animRot>
+                                    <p:animRot by="1500000">
+                                      <p:cBhvr>
+                                        <p:cTn id="22" dur="250" fill="hold">
+                                          <p:stCondLst>
+                                            <p:cond delay="750"/>
+                                          </p:stCondLst>
+                                        </p:cTn>
+                                        <p:tgtEl>
+                                          <p:spTgt spid="4">
+                                            <p:txEl>
+                                              <p:pRg st="1" end="1"/>
+                                            </p:txEl>
+                                          </p:spTgt>
+                                        </p:tgtEl>
+                                        <p:attrNameLst>
+                                          <p:attrName>r</p:attrName>
+                                        </p:attrNameLst>
+                                      </p:cBhvr>
+                                    </p:animRot>
+                                  </p:childTnLst>
+                                </p:cTn>
+                              </p:par>
+                            </p:childTnLst>
+                          </p:cTn>
+                        </p:par>
+                        <p:par>
+                          <p:cTn id="23" fill="hold">
+                            <p:stCondLst>
+                              <p:cond delay="1800"/>
+                            </p:stCondLst>
+                            <p:childTnLst>
+                              <p:par>
+                                <p:cTn id="24" presetID="10" presetClass="entr" presetSubtype="0" fill="hold" grpId="0" nodeType="afterEffect">
+                                  <p:stCondLst>
+                                    <p:cond delay="0"/>
+                                  </p:stCondLst>
+                                  <p:childTnLst>
+                                    <p:set>
+                                      <p:cBhvr>
+                                        <p:cTn id="25" dur="1" fill="hold">
+                                          <p:stCondLst>
+                                            <p:cond delay="0"/>
+                                          </p:stCondLst>
+                                        </p:cTn>
+                                        <p:tgtEl>
+                                          <p:spTgt spid="10"/>
+                                        </p:tgtEl>
+                                        <p:attrNameLst>
+                                          <p:attrName>style.visibility</p:attrName>
+                                        </p:attrNameLst>
+                                      </p:cBhvr>
+                                      <p:to>
+                                        <p:strVal val="visible"/>
+                                      </p:to>
+                                    </p:set>
+                                    <p:animEffect transition="in" filter="fade">
+                                      <p:cBhvr>
+                                        <p:cTn id="26" dur="1000"/>
+                                        <p:tgtEl>
+                                          <p:spTgt spid="10"/>
+                                        </p:tgtEl>
+                                      </p:cBhvr>
+                                    </p:animEffect>
+                                  </p:childTnLst>
+                                </p:cTn>
+                              </p:par>
+                            </p:childTnLst>
+                          </p:cTn>
+                        </p:par>
+                        <p:par>
+                          <p:cTn id="27" fill="hold">
+                            <p:stCondLst>
+                              <p:cond delay="2800"/>
+                            </p:stCondLst>
+                            <p:childTnLst>
+                              <p:par>
+                                <p:cTn id="28" presetID="10" presetClass="entr" presetSubtype="0" fill="hold" grpId="0" nodeType="afterEffect">
+                                  <p:stCondLst>
+                                    <p:cond delay="0"/>
+                                  </p:stCondLst>
+                                  <p:childTnLst>
+                                    <p:set>
+                                      <p:cBhvr>
+                                        <p:cTn id="29" dur="1" fill="hold">
+                                          <p:stCondLst>
+                                            <p:cond delay="0"/>
+                                          </p:stCondLst>
+                                        </p:cTn>
+                                        <p:tgtEl>
+                                          <p:spTgt spid="9"/>
+                                        </p:tgtEl>
+                                        <p:attrNameLst>
+                                          <p:attrName>style.visibility</p:attrName>
+                                        </p:attrNameLst>
+                                      </p:cBhvr>
+                                      <p:to>
+                                        <p:strVal val="visible"/>
+                                      </p:to>
+                                    </p:set>
+                                    <p:animEffect transition="in" filter="fade">
+                                      <p:cBhvr>
+                                        <p:cTn id="30" dur="500"/>
+                                        <p:tgtEl>
+                                          <p:spTgt spid="9"/>
+                                        </p:tgtEl>
+                                      </p:cBhvr>
+                                    </p:animEffect>
+                                  </p:childTnLst>
+                                </p:cTn>
+                              </p:par>
+                            </p:childTnLst>
+                          </p:cTn>
+                        </p:par>
+                      </p:childTnLst>
+                    </p:cTn>
+                  </p:par>
+                </p:childTnLst>
+              </p:cTn>
+              <p:prevCondLst>
+                <p:cond evt="onPrev" delay="0">
+                  <p:tgtEl>
+                    <p:sldTgt/>
+                  </p:tgtEl>
+                </p:cond>
+              </p:prevCondLst>
+              <p:nextCondLst>
+                <p:cond evt="onNext" delay="0">
+                  <p:tgtEl>
+                    <p:sldTgt/>
+                  </p:tgtEl>
+                </p:cond>
+              </p:nextCondLst>
+            </p:seq>
+          </p:childTnLst>
+        </p:cTn>
+      </p:par>
+    </p:tnLst>
+    <p:bldLst>
+      <p:bldP spid="4" grpId="0" uiExpand="1" build="p"/>
+      <p:bldP spid="4" grpId="1" build="allAtOnce"/>
+      <p:bldP spid="9" grpId="0"/>
+      <p:bldP spid="10" grpId="0"/>
+    </p:bldLst>
+  </p:timing>
+</p:sld>
+</file>
+
+<file path=ppt/slides/slide10.xml><?xml version="1.0" encoding="utf-8"?>
+<p:sld xmlns:a="http://schemas.openxmlformats.org/drawingml/2006/main" xmlns:r="http://schemas.openxmlformats.org/officeDocument/2006/relationships" xmlns:p="http://schemas.openxmlformats.org/presentationml/2006/main">
+  <p:cSld>
+    <p:bg>
+      <p:bgPr>
+        <a:solidFill>
+          <a:srgbClr val="ADAFB1"/>
+        </a:solidFill>
+        <a:effectLst/>
+      </p:bgPr>
+    </p:bg>
+    <p:spTree>
+      <p:nvGrpSpPr>
+        <p:cNvPr id="1" name=""/>
+        <p:cNvGrpSpPr/>
+        <p:nvPr/>
+      </p:nvGrpSpPr>
+      <p:grpSpPr>
+        <a:xfrm>
+          <a:off x="0" y="0"/>
+          <a:ext cx="0" cy="0"/>
+          <a:chOff x="0" y="0"/>
+          <a:chExt cx="0" cy="0"/>
+        </a:xfrm>
+      </p:grpSpPr>
+      <p:sp>
+        <p:nvSpPr>
+          <p:cNvPr id="5" name="TextBox 4">
+            <a:extLst>
+              <a:ext uri="{FF2B5EF4-FFF2-40B4-BE49-F238E27FC236}">
+                <a16:creationId xmlns:a16="http://schemas.microsoft.com/office/drawing/2014/main" id="{B7E10F10-44A9-439B-8C58-5B48A41AEAE3}"/>
+              </a:ext>
+            </a:extLst>
+          </p:cNvPr>
+          <p:cNvSpPr txBox="1"/>
+          <p:nvPr/>
+        </p:nvSpPr>
+        <p:spPr>
+          <a:xfrm>
+            <a:off x="2381581" y="477078"/>
+            <a:ext cx="7451531" cy="1569660"/>
+          </a:xfrm>
+          <a:prstGeom prst="rect">
+            <a:avLst/>
+          </a:prstGeom>
+          <a:noFill/>
+        </p:spPr>
+        <p:txBody>
+          <a:bodyPr wrap="square" rtlCol="0">
+            <a:spAutoFit/>
+          </a:bodyPr>
+          <a:lstStyle/>
+          <a:p>
+            <a:pPr marL="0" marR="0" lvl="0" indent="0" algn="ctr" defTabSz="914400" rtl="0" eaLnBrk="1" fontAlgn="auto" latinLnBrk="0" hangingPunct="1">
+              <a:lnSpc>
+                <a:spcPct val="100000"/>
+              </a:lnSpc>
+              <a:spcBef>
+                <a:spcPts val="0"/>
+              </a:spcBef>
+              <a:spcAft>
+                <a:spcPts val="0"/>
+              </a:spcAft>
+              <a:buClrTx/>
+              <a:buSzTx/>
+              <a:buFontTx/>
+              <a:buNone/>
+              <a:tabLst/>
+              <a:defRPr/>
+            </a:pPr>
+            <a:r>
+              <a:rPr kumimoji="0" lang="en-US" sz="9600" b="0" i="0" u="none" strike="noStrike" kern="1200" cap="none" spc="0" normalizeH="0" baseline="0" noProof="0" dirty="0">
+                <a:ln>
+                  <a:noFill/>
+                </a:ln>
+                <a:solidFill>
+                  <a:srgbClr val="ED7D31">
+                    <a:lumMod val="50000"/>
+                  </a:srgbClr>
+                </a:solidFill>
+                <a:effectLst/>
+                <a:uLnTx/>
+                <a:uFillTx/>
+                <a:latin typeface="Earthquake" panose="00000400000000000000" pitchFamily="2" charset="0"/>
+                <a:ea typeface="+mn-ea"/>
+                <a:cs typeface="+mn-cs"/>
+              </a:rPr>
+              <a:t>results</a:t>
+            </a:r>
+          </a:p>
+        </p:txBody>
+      </p:sp>
+      <p:pic>
+        <p:nvPicPr>
+          <p:cNvPr id="2" name="Picture 1">
+            <a:extLst>
+              <a:ext uri="{FF2B5EF4-FFF2-40B4-BE49-F238E27FC236}">
+                <a16:creationId xmlns:a16="http://schemas.microsoft.com/office/drawing/2014/main" id="{20113850-F43E-4773-AD4B-366E78A42CD1}"/>
+              </a:ext>
+            </a:extLst>
+          </p:cNvPr>
+          <p:cNvPicPr>
+            <a:picLocks noChangeAspect="1"/>
+          </p:cNvPicPr>
+          <p:nvPr/>
+        </p:nvPicPr>
+        <p:blipFill>
+          <a:blip r:embed="rId2"/>
+          <a:stretch>
+            <a:fillRect/>
+          </a:stretch>
+        </p:blipFill>
+        <p:spPr>
+          <a:xfrm>
+            <a:off x="2263406" y="3849690"/>
+            <a:ext cx="7687879" cy="2337858"/>
+          </a:xfrm>
+          <a:prstGeom prst="rect">
+            <a:avLst/>
+          </a:prstGeom>
+        </p:spPr>
+      </p:pic>
+      <p:sp>
+        <p:nvSpPr>
+          <p:cNvPr id="7" name="TextBox 6">
+            <a:extLst>
+              <a:ext uri="{FF2B5EF4-FFF2-40B4-BE49-F238E27FC236}">
+                <a16:creationId xmlns:a16="http://schemas.microsoft.com/office/drawing/2014/main" id="{51C4D8E9-6546-43E6-8291-C98114F8E020}"/>
+              </a:ext>
+            </a:extLst>
+          </p:cNvPr>
+          <p:cNvSpPr txBox="1"/>
+          <p:nvPr/>
+        </p:nvSpPr>
+        <p:spPr>
+          <a:xfrm>
+            <a:off x="4627430" y="2978922"/>
+            <a:ext cx="2972993" cy="646331"/>
+          </a:xfrm>
+          <a:prstGeom prst="rect">
+            <a:avLst/>
+          </a:prstGeom>
+          <a:noFill/>
+        </p:spPr>
+        <p:txBody>
+          <a:bodyPr wrap="square" rtlCol="0">
+            <a:spAutoFit/>
+          </a:bodyPr>
+          <a:lstStyle/>
+          <a:p>
+            <a:pPr marL="285750" indent="-285750">
+              <a:buFont typeface="Arial" panose="020B0604020202020204" pitchFamily="34" charset="0"/>
+              <a:buChar char="•"/>
+            </a:pPr>
+            <a:r>
+              <a:rPr lang="en-US" dirty="0">
+                <a:latin typeface="Arial" panose="020B0604020202020204" pitchFamily="34" charset="0"/>
+                <a:cs typeface="Arial" panose="020B0604020202020204" pitchFamily="34" charset="0"/>
+              </a:rPr>
+              <a:t>Estimated slope is </a:t>
+            </a:r>
+            <a:r>
+              <a:rPr lang="en-US" b="1" dirty="0">
+                <a:latin typeface="Arial" panose="020B0604020202020204" pitchFamily="34" charset="0"/>
+                <a:cs typeface="Arial" panose="020B0604020202020204" pitchFamily="34" charset="0"/>
+              </a:rPr>
+              <a:t>-5.6</a:t>
+            </a:r>
+          </a:p>
+          <a:p>
+            <a:pPr marL="285750" indent="-285750">
+              <a:buFont typeface="Arial" panose="020B0604020202020204" pitchFamily="34" charset="0"/>
+              <a:buChar char="•"/>
+            </a:pPr>
+            <a:r>
+              <a:rPr lang="en-US" dirty="0">
+                <a:latin typeface="Arial" panose="020B0604020202020204" pitchFamily="34" charset="0"/>
+                <a:cs typeface="Arial" panose="020B0604020202020204" pitchFamily="34" charset="0"/>
+              </a:rPr>
+              <a:t>Actual slope </a:t>
+            </a:r>
+            <a:r>
+              <a:rPr lang="en-US" b="1" dirty="0">
+                <a:latin typeface="Arial" panose="020B0604020202020204" pitchFamily="34" charset="0"/>
+                <a:cs typeface="Arial" panose="020B0604020202020204" pitchFamily="34" charset="0"/>
+              </a:rPr>
+              <a:t>24.48</a:t>
+            </a:r>
+          </a:p>
+        </p:txBody>
+      </p:sp>
+      <p:sp>
+        <p:nvSpPr>
+          <p:cNvPr id="8" name="Title 1">
+            <a:extLst>
+              <a:ext uri="{FF2B5EF4-FFF2-40B4-BE49-F238E27FC236}">
+                <a16:creationId xmlns:a16="http://schemas.microsoft.com/office/drawing/2014/main" id="{34FFA349-8B5D-4940-BFBA-314E180CC177}"/>
+              </a:ext>
+            </a:extLst>
+          </p:cNvPr>
+          <p:cNvSpPr txBox="1">
+            <a:spLocks/>
+          </p:cNvSpPr>
+          <p:nvPr/>
+        </p:nvSpPr>
+        <p:spPr>
+          <a:xfrm>
+            <a:off x="2026020" y="2245896"/>
+            <a:ext cx="8139953" cy="500797"/>
+          </a:xfrm>
+          <a:prstGeom prst="rect">
+            <a:avLst/>
+          </a:prstGeom>
+        </p:spPr>
+        <p:txBody>
+          <a:bodyPr vert="horz" lIns="91440" tIns="45720" rIns="91440" bIns="45720" rtlCol="0" anchor="ctr">
+            <a:noAutofit/>
+          </a:bodyPr>
+          <a:lstStyle>
+            <a:lvl1pPr algn="l" defTabSz="914400" rtl="0" eaLnBrk="1" latinLnBrk="0" hangingPunct="1">
+              <a:lnSpc>
+                <a:spcPct val="90000"/>
+              </a:lnSpc>
+              <a:spcBef>
+                <a:spcPct val="0"/>
+              </a:spcBef>
+              <a:buNone/>
+              <a:defRPr sz="4400" kern="1200">
+                <a:solidFill>
+                  <a:schemeClr val="tx1"/>
+                </a:solidFill>
+                <a:latin typeface="+mj-lt"/>
+                <a:ea typeface="+mj-ea"/>
+                <a:cs typeface="+mj-cs"/>
+              </a:defRPr>
+            </a:lvl1pPr>
+          </a:lstStyle>
+          <a:p>
+            <a:pPr algn="ctr"/>
+            <a:r>
+              <a:rPr lang="en-US" sz="3600" b="1" dirty="0">
+                <a:effectLst>
+                  <a:glow rad="101600">
+                    <a:schemeClr val="bg1">
+                      <a:alpha val="40000"/>
+                    </a:schemeClr>
+                  </a:glow>
+                </a:effectLst>
+                <a:latin typeface="+mn-lt"/>
+                <a:ea typeface="+mn-ea"/>
+                <a:cs typeface="+mn-cs"/>
+              </a:rPr>
+              <a:t>Estimate vs Actual 1991-2019</a:t>
+            </a:r>
+          </a:p>
+        </p:txBody>
+      </p:sp>
+      <p:sp>
+        <p:nvSpPr>
+          <p:cNvPr id="9" name="TextBox 8">
+            <a:extLst>
+              <a:ext uri="{FF2B5EF4-FFF2-40B4-BE49-F238E27FC236}">
+                <a16:creationId xmlns:a16="http://schemas.microsoft.com/office/drawing/2014/main" id="{F8A03809-3E3D-4643-BF00-85B3756C764C}"/>
+              </a:ext>
+            </a:extLst>
+          </p:cNvPr>
+          <p:cNvSpPr txBox="1"/>
+          <p:nvPr/>
+        </p:nvSpPr>
+        <p:spPr>
+          <a:xfrm>
+            <a:off x="5201625" y="6386343"/>
+            <a:ext cx="2398798" cy="369332"/>
+          </a:xfrm>
+          <a:prstGeom prst="rect">
+            <a:avLst/>
+          </a:prstGeom>
+          <a:noFill/>
+        </p:spPr>
+        <p:txBody>
+          <a:bodyPr wrap="none" rtlCol="0">
+            <a:spAutoFit/>
+          </a:bodyPr>
+          <a:lstStyle/>
+          <a:p>
+            <a:r>
+              <a:rPr lang="en-US" dirty="0"/>
+              <a:t>Tableau publication link</a:t>
+            </a:r>
+          </a:p>
+        </p:txBody>
+      </p:sp>
+    </p:spTree>
+    <p:extLst>
+      <p:ext uri="{BB962C8B-B14F-4D97-AF65-F5344CB8AC3E}">
+        <p14:creationId xmlns:p14="http://schemas.microsoft.com/office/powerpoint/2010/main" val="825531615"/>
+      </p:ext>
+    </p:extLst>
+  </p:cSld>
+  <p:clrMapOvr>
+    <a:masterClrMapping/>
+  </p:clrMapOvr>
 </p:sld>
 </file>
 
@@ -3610,7 +4364,7 @@
         </p:nvSpPr>
         <p:spPr>
           <a:xfrm>
-            <a:off x="3123704" y="477078"/>
+            <a:off x="3123704" y="279716"/>
             <a:ext cx="5944591" cy="1569660"/>
           </a:xfrm>
           <a:prstGeom prst="rect">
@@ -3667,8 +4421,8 @@
         </p:blipFill>
         <p:spPr>
           <a:xfrm>
-            <a:off x="1017105" y="2046738"/>
-            <a:ext cx="2239977" cy="3536260"/>
+            <a:off x="5195436" y="1859852"/>
+            <a:ext cx="1197117" cy="1889894"/>
           </a:xfrm>
           <a:prstGeom prst="rect">
             <a:avLst/>
@@ -3677,10 +4431,10 @@
       </p:pic>
       <p:pic>
         <p:nvPicPr>
-          <p:cNvPr id="20" name="Picture 19">
-            <a:extLst>
-              <a:ext uri="{FF2B5EF4-FFF2-40B4-BE49-F238E27FC236}">
-                <a16:creationId xmlns:a16="http://schemas.microsoft.com/office/drawing/2014/main" id="{ED4F9372-32CD-449E-A8AE-51C912BD11E3}"/>
+          <p:cNvPr id="3" name="Picture 2">
+            <a:extLst>
+              <a:ext uri="{FF2B5EF4-FFF2-40B4-BE49-F238E27FC236}">
+                <a16:creationId xmlns:a16="http://schemas.microsoft.com/office/drawing/2014/main" id="{81DD2198-D6DE-46BB-90FB-4284629B346D}"/>
               </a:ext>
             </a:extLst>
           </p:cNvPr>
@@ -3703,14 +4457,549 @@
         </p:blipFill>
         <p:spPr>
           <a:xfrm>
-            <a:off x="6516342" y="2209077"/>
-            <a:ext cx="4100943" cy="3211582"/>
+            <a:off x="900939" y="1849376"/>
+            <a:ext cx="1300959" cy="1828471"/>
           </a:xfrm>
           <a:prstGeom prst="rect">
             <a:avLst/>
           </a:prstGeom>
         </p:spPr>
       </p:pic>
+      <p:sp>
+        <p:nvSpPr>
+          <p:cNvPr id="8" name="TextBox 7">
+            <a:extLst>
+              <a:ext uri="{FF2B5EF4-FFF2-40B4-BE49-F238E27FC236}">
+                <a16:creationId xmlns:a16="http://schemas.microsoft.com/office/drawing/2014/main" id="{427B15A9-0302-44E5-AC63-E95CF32078F4}"/>
+              </a:ext>
+            </a:extLst>
+          </p:cNvPr>
+          <p:cNvSpPr txBox="1"/>
+          <p:nvPr/>
+        </p:nvSpPr>
+        <p:spPr>
+          <a:xfrm>
+            <a:off x="593612" y="4477189"/>
+            <a:ext cx="1872751" cy="1077218"/>
+          </a:xfrm>
+          <a:prstGeom prst="rect">
+            <a:avLst/>
+          </a:prstGeom>
+          <a:noFill/>
+        </p:spPr>
+        <p:txBody>
+          <a:bodyPr wrap="square" rtlCol="0">
+            <a:spAutoFit/>
+          </a:bodyPr>
+          <a:lstStyle/>
+          <a:p>
+            <a:pPr algn="ctr"/>
+            <a:r>
+              <a:rPr lang="en-US" sz="1600" b="1" dirty="0">
+                <a:effectLst>
+                  <a:glow rad="101600">
+                    <a:schemeClr val="bg1">
+                      <a:alpha val="40000"/>
+                    </a:schemeClr>
+                  </a:glow>
+                </a:effectLst>
+              </a:rPr>
+              <a:t>1880:</a:t>
+            </a:r>
+          </a:p>
+          <a:p>
+            <a:pPr algn="ctr"/>
+            <a:r>
+              <a:rPr lang="en-US" sz="1600" b="1" dirty="0">
+                <a:effectLst>
+                  <a:glow rad="101600">
+                    <a:schemeClr val="bg1">
+                      <a:alpha val="40000"/>
+                    </a:schemeClr>
+                  </a:glow>
+                </a:effectLst>
+              </a:rPr>
+              <a:t>John Milne credited with first modern seismometer</a:t>
+            </a:r>
+          </a:p>
+        </p:txBody>
+      </p:sp>
+      <p:pic>
+        <p:nvPicPr>
+          <p:cNvPr id="14" name="Picture 13">
+            <a:extLst>
+              <a:ext uri="{FF2B5EF4-FFF2-40B4-BE49-F238E27FC236}">
+                <a16:creationId xmlns:a16="http://schemas.microsoft.com/office/drawing/2014/main" id="{1B628F18-D556-4234-B518-58C76E77C7F9}"/>
+              </a:ext>
+            </a:extLst>
+          </p:cNvPr>
+          <p:cNvPicPr>
+            <a:picLocks noChangeAspect="1"/>
+          </p:cNvPicPr>
+          <p:nvPr/>
+        </p:nvPicPr>
+        <p:blipFill>
+          <a:blip r:embed="rId4">
+            <a:extLst>
+              <a:ext uri="{28A0092B-C50C-407E-A947-70E740481C1C}">
+                <a14:useLocalDpi xmlns:a14="http://schemas.microsoft.com/office/drawing/2010/main" val="0"/>
+              </a:ext>
+            </a:extLst>
+          </a:blip>
+          <a:stretch>
+            <a:fillRect/>
+          </a:stretch>
+        </p:blipFill>
+        <p:spPr>
+          <a:xfrm>
+            <a:off x="1199626" y="3494379"/>
+            <a:ext cx="9622171" cy="1246783"/>
+          </a:xfrm>
+          <a:prstGeom prst="rect">
+            <a:avLst/>
+          </a:prstGeom>
+        </p:spPr>
+      </p:pic>
+      <p:pic>
+        <p:nvPicPr>
+          <p:cNvPr id="16" name="Picture 15">
+            <a:extLst>
+              <a:ext uri="{FF2B5EF4-FFF2-40B4-BE49-F238E27FC236}">
+                <a16:creationId xmlns:a16="http://schemas.microsoft.com/office/drawing/2014/main" id="{823A115E-1B53-475A-B6F9-A2093FC7EB48}"/>
+              </a:ext>
+            </a:extLst>
+          </p:cNvPr>
+          <p:cNvPicPr>
+            <a:picLocks noChangeAspect="1"/>
+          </p:cNvPicPr>
+          <p:nvPr/>
+        </p:nvPicPr>
+        <p:blipFill>
+          <a:blip r:embed="rId5">
+            <a:extLst>
+              <a:ext uri="{28A0092B-C50C-407E-A947-70E740481C1C}">
+                <a14:useLocalDpi xmlns:a14="http://schemas.microsoft.com/office/drawing/2010/main" val="0"/>
+              </a:ext>
+            </a:extLst>
+          </a:blip>
+          <a:stretch>
+            <a:fillRect/>
+          </a:stretch>
+        </p:blipFill>
+        <p:spPr>
+          <a:xfrm>
+            <a:off x="3017471" y="4621963"/>
+            <a:ext cx="1420318" cy="1898444"/>
+          </a:xfrm>
+          <a:prstGeom prst="rect">
+            <a:avLst/>
+          </a:prstGeom>
+        </p:spPr>
+      </p:pic>
+      <p:pic>
+        <p:nvPicPr>
+          <p:cNvPr id="19" name="Picture 18">
+            <a:extLst>
+              <a:ext uri="{FF2B5EF4-FFF2-40B4-BE49-F238E27FC236}">
+                <a16:creationId xmlns:a16="http://schemas.microsoft.com/office/drawing/2014/main" id="{997C8FAC-DCFA-4859-8A86-78D7DD180752}"/>
+              </a:ext>
+            </a:extLst>
+          </p:cNvPr>
+          <p:cNvPicPr>
+            <a:picLocks noChangeAspect="1"/>
+          </p:cNvPicPr>
+          <p:nvPr/>
+        </p:nvPicPr>
+        <p:blipFill>
+          <a:blip r:embed="rId6">
+            <a:extLst>
+              <a:ext uri="{28A0092B-C50C-407E-A947-70E740481C1C}">
+                <a14:useLocalDpi xmlns:a14="http://schemas.microsoft.com/office/drawing/2010/main" val="0"/>
+              </a:ext>
+            </a:extLst>
+          </a:blip>
+          <a:stretch>
+            <a:fillRect/>
+          </a:stretch>
+        </p:blipFill>
+        <p:spPr>
+          <a:xfrm>
+            <a:off x="7116631" y="4552319"/>
+            <a:ext cx="2185888" cy="1649352"/>
+          </a:xfrm>
+          <a:prstGeom prst="rect">
+            <a:avLst/>
+          </a:prstGeom>
+        </p:spPr>
+      </p:pic>
+      <p:pic>
+        <p:nvPicPr>
+          <p:cNvPr id="22" name="Picture 21">
+            <a:extLst>
+              <a:ext uri="{FF2B5EF4-FFF2-40B4-BE49-F238E27FC236}">
+                <a16:creationId xmlns:a16="http://schemas.microsoft.com/office/drawing/2014/main" id="{392EF468-76A4-463D-B710-15F9E7BA7DB0}"/>
+              </a:ext>
+            </a:extLst>
+          </p:cNvPr>
+          <p:cNvPicPr>
+            <a:picLocks noChangeAspect="1"/>
+          </p:cNvPicPr>
+          <p:nvPr/>
+        </p:nvPicPr>
+        <p:blipFill>
+          <a:blip r:embed="rId7">
+            <a:extLst>
+              <a:ext uri="{28A0092B-C50C-407E-A947-70E740481C1C}">
+                <a14:useLocalDpi xmlns:a14="http://schemas.microsoft.com/office/drawing/2010/main" val="0"/>
+              </a:ext>
+            </a:extLst>
+          </a:blip>
+          <a:stretch>
+            <a:fillRect/>
+          </a:stretch>
+        </p:blipFill>
+        <p:spPr>
+          <a:xfrm>
+            <a:off x="9990102" y="2098039"/>
+            <a:ext cx="1616941" cy="1212706"/>
+          </a:xfrm>
+          <a:prstGeom prst="rect">
+            <a:avLst/>
+          </a:prstGeom>
+        </p:spPr>
+      </p:pic>
+      <p:pic>
+        <p:nvPicPr>
+          <p:cNvPr id="24" name="Picture 23">
+            <a:extLst>
+              <a:ext uri="{FF2B5EF4-FFF2-40B4-BE49-F238E27FC236}">
+                <a16:creationId xmlns:a16="http://schemas.microsoft.com/office/drawing/2014/main" id="{587A5CBC-375C-4F57-87D3-871B9B8AFA13}"/>
+              </a:ext>
+            </a:extLst>
+          </p:cNvPr>
+          <p:cNvPicPr>
+            <a:picLocks noChangeAspect="1"/>
+          </p:cNvPicPr>
+          <p:nvPr/>
+        </p:nvPicPr>
+        <p:blipFill>
+          <a:blip r:embed="rId8">
+            <a:extLst>
+              <a:ext uri="{BEBA8EAE-BF5A-486C-A8C5-ECC9F3942E4B}">
+                <a14:imgProps xmlns:a14="http://schemas.microsoft.com/office/drawing/2010/main">
+                  <a14:imgLayer r:embed="rId9">
+                    <a14:imgEffect>
+                      <a14:backgroundRemoval t="7556" b="90222" l="9778" r="89778">
+                        <a14:foregroundMark x1="46222" y1="9333" x2="58222" y2="7556"/>
+                        <a14:foregroundMark x1="46222" y1="9333" x2="43556" y2="10667"/>
+                        <a14:foregroundMark x1="60000" y1="89778" x2="60889" y2="90222"/>
+                        <a14:foregroundMark x1="69778" y1="24444" x2="70667" y2="22222"/>
+                        <a14:foregroundMark x1="30222" y1="22667" x2="32444" y2="21333"/>
+                        <a14:foregroundMark x1="29333" y1="21778" x2="29333" y2="21778"/>
+                      </a14:backgroundRemoval>
+                    </a14:imgEffect>
+                  </a14:imgLayer>
+                </a14:imgProps>
+              </a:ext>
+              <a:ext uri="{28A0092B-C50C-407E-A947-70E740481C1C}">
+                <a14:useLocalDpi xmlns:a14="http://schemas.microsoft.com/office/drawing/2010/main" val="0"/>
+              </a:ext>
+            </a:extLst>
+          </a:blip>
+          <a:stretch>
+            <a:fillRect/>
+          </a:stretch>
+        </p:blipFill>
+        <p:spPr>
+          <a:xfrm>
+            <a:off x="11094562" y="2691974"/>
+            <a:ext cx="1133333" cy="1133333"/>
+          </a:xfrm>
+          <a:prstGeom prst="rect">
+            <a:avLst/>
+          </a:prstGeom>
+        </p:spPr>
+      </p:pic>
+      <p:sp>
+        <p:nvSpPr>
+          <p:cNvPr id="25" name="Rectangle 24">
+            <a:extLst>
+              <a:ext uri="{FF2B5EF4-FFF2-40B4-BE49-F238E27FC236}">
+                <a16:creationId xmlns:a16="http://schemas.microsoft.com/office/drawing/2014/main" id="{6CC5249F-1D21-499D-B864-D26B75C9D922}"/>
+              </a:ext>
+            </a:extLst>
+          </p:cNvPr>
+          <p:cNvSpPr/>
+          <p:nvPr/>
+        </p:nvSpPr>
+        <p:spPr>
+          <a:xfrm>
+            <a:off x="2789003" y="2370681"/>
+            <a:ext cx="1877254" cy="1569660"/>
+          </a:xfrm>
+          <a:prstGeom prst="rect">
+            <a:avLst/>
+          </a:prstGeom>
+        </p:spPr>
+        <p:txBody>
+          <a:bodyPr wrap="square">
+            <a:spAutoFit/>
+          </a:bodyPr>
+          <a:lstStyle/>
+          <a:p>
+            <a:pPr algn="ctr"/>
+            <a:r>
+              <a:rPr lang="en-US" sz="1600" b="1" dirty="0">
+                <a:effectLst>
+                  <a:glow rad="101600">
+                    <a:schemeClr val="bg1">
+                      <a:alpha val="40000"/>
+                    </a:schemeClr>
+                  </a:glow>
+                </a:effectLst>
+              </a:rPr>
+              <a:t>Entering 1900s:</a:t>
+            </a:r>
+          </a:p>
+          <a:p>
+            <a:pPr algn="ctr"/>
+            <a:r>
+              <a:rPr lang="en-US" sz="1600" b="1" dirty="0">
+                <a:effectLst>
+                  <a:glow rad="101600">
+                    <a:schemeClr val="bg1">
+                      <a:alpha val="40000"/>
+                    </a:schemeClr>
+                  </a:glow>
+                </a:effectLst>
+              </a:rPr>
+              <a:t>seismology expands worldwide as the seismometer evolves</a:t>
+            </a:r>
+          </a:p>
+          <a:p>
+            <a:pPr algn="ctr"/>
+            <a:endParaRPr lang="en-US" sz="1600" b="1" dirty="0">
+              <a:effectLst>
+                <a:glow rad="101600">
+                  <a:schemeClr val="bg1">
+                    <a:alpha val="40000"/>
+                  </a:schemeClr>
+                </a:glow>
+              </a:effectLst>
+            </a:endParaRPr>
+          </a:p>
+        </p:txBody>
+      </p:sp>
+      <p:sp>
+        <p:nvSpPr>
+          <p:cNvPr id="26" name="Rectangle 25">
+            <a:extLst>
+              <a:ext uri="{FF2B5EF4-FFF2-40B4-BE49-F238E27FC236}">
+                <a16:creationId xmlns:a16="http://schemas.microsoft.com/office/drawing/2014/main" id="{C741AC7F-F930-42A4-80D8-559987519178}"/>
+              </a:ext>
+            </a:extLst>
+          </p:cNvPr>
+          <p:cNvSpPr/>
+          <p:nvPr/>
+        </p:nvSpPr>
+        <p:spPr>
+          <a:xfrm>
+            <a:off x="9854277" y="4720119"/>
+            <a:ext cx="1935039" cy="1569660"/>
+          </a:xfrm>
+          <a:prstGeom prst="rect">
+            <a:avLst/>
+          </a:prstGeom>
+        </p:spPr>
+        <p:txBody>
+          <a:bodyPr wrap="square">
+            <a:spAutoFit/>
+          </a:bodyPr>
+          <a:lstStyle/>
+          <a:p>
+            <a:pPr algn="ctr"/>
+            <a:r>
+              <a:rPr lang="en-US" sz="1600" b="1" dirty="0">
+                <a:effectLst>
+                  <a:glow rad="101600">
+                    <a:schemeClr val="bg1">
+                      <a:alpha val="40000"/>
+                    </a:schemeClr>
+                  </a:glow>
+                </a:effectLst>
+              </a:rPr>
+              <a:t>Today:</a:t>
+            </a:r>
+          </a:p>
+          <a:p>
+            <a:pPr algn="ctr"/>
+            <a:r>
+              <a:rPr lang="en-US" sz="1600" b="1" dirty="0">
+                <a:effectLst>
+                  <a:glow rad="101600">
+                    <a:schemeClr val="bg1">
+                      <a:alpha val="40000"/>
+                    </a:schemeClr>
+                  </a:glow>
+                </a:effectLst>
+              </a:rPr>
+              <a:t>Earthquakes measured real-time, but no closer to predicting</a:t>
+            </a:r>
+          </a:p>
+          <a:p>
+            <a:pPr algn="ctr"/>
+            <a:endParaRPr lang="en-US" sz="1600" b="1" dirty="0">
+              <a:effectLst>
+                <a:glow rad="101600">
+                  <a:schemeClr val="bg1">
+                    <a:alpha val="40000"/>
+                  </a:schemeClr>
+                </a:glow>
+              </a:effectLst>
+            </a:endParaRPr>
+          </a:p>
+        </p:txBody>
+      </p:sp>
+      <p:sp>
+        <p:nvSpPr>
+          <p:cNvPr id="27" name="Rectangle 26">
+            <a:extLst>
+              <a:ext uri="{FF2B5EF4-FFF2-40B4-BE49-F238E27FC236}">
+                <a16:creationId xmlns:a16="http://schemas.microsoft.com/office/drawing/2014/main" id="{4E56B72A-0050-4710-A9DA-38210D3B2224}"/>
+              </a:ext>
+            </a:extLst>
+          </p:cNvPr>
+          <p:cNvSpPr/>
+          <p:nvPr/>
+        </p:nvSpPr>
+        <p:spPr>
+          <a:xfrm>
+            <a:off x="7195020" y="2395851"/>
+            <a:ext cx="2029109" cy="1569660"/>
+          </a:xfrm>
+          <a:prstGeom prst="rect">
+            <a:avLst/>
+          </a:prstGeom>
+        </p:spPr>
+        <p:txBody>
+          <a:bodyPr wrap="square">
+            <a:spAutoFit/>
+          </a:bodyPr>
+          <a:lstStyle/>
+          <a:p>
+            <a:pPr algn="ctr"/>
+            <a:r>
+              <a:rPr lang="en-US" sz="1600" b="1" dirty="0">
+                <a:effectLst>
+                  <a:glow rad="101600">
+                    <a:schemeClr val="bg1">
+                      <a:alpha val="40000"/>
+                    </a:schemeClr>
+                  </a:glow>
+                </a:effectLst>
+              </a:rPr>
+              <a:t>Mid-1900s:</a:t>
+            </a:r>
+          </a:p>
+          <a:p>
+            <a:pPr algn="ctr"/>
+            <a:r>
+              <a:rPr lang="en-US" sz="1600" b="1" dirty="0">
+                <a:effectLst>
+                  <a:glow rad="101600">
+                    <a:schemeClr val="bg1">
+                      <a:alpha val="40000"/>
+                    </a:schemeClr>
+                  </a:glow>
+                </a:effectLst>
+              </a:rPr>
+              <a:t>Precise measurement and recordkeeping with improved computing</a:t>
+            </a:r>
+          </a:p>
+          <a:p>
+            <a:pPr algn="ctr"/>
+            <a:endParaRPr lang="en-US" sz="1600" b="1" dirty="0">
+              <a:effectLst>
+                <a:glow rad="101600">
+                  <a:schemeClr val="bg1">
+                    <a:alpha val="40000"/>
+                  </a:schemeClr>
+                </a:glow>
+              </a:effectLst>
+            </a:endParaRPr>
+          </a:p>
+        </p:txBody>
+      </p:sp>
+      <p:sp>
+        <p:nvSpPr>
+          <p:cNvPr id="28" name="Rectangle 27">
+            <a:extLst>
+              <a:ext uri="{FF2B5EF4-FFF2-40B4-BE49-F238E27FC236}">
+                <a16:creationId xmlns:a16="http://schemas.microsoft.com/office/drawing/2014/main" id="{90509091-1756-4460-9B53-3157EE4C3F29}"/>
+              </a:ext>
+            </a:extLst>
+          </p:cNvPr>
+          <p:cNvSpPr/>
+          <p:nvPr/>
+        </p:nvSpPr>
+        <p:spPr>
+          <a:xfrm>
+            <a:off x="4754136" y="4426484"/>
+            <a:ext cx="2089730" cy="1323439"/>
+          </a:xfrm>
+          <a:prstGeom prst="rect">
+            <a:avLst/>
+          </a:prstGeom>
+        </p:spPr>
+        <p:txBody>
+          <a:bodyPr wrap="square">
+            <a:spAutoFit/>
+          </a:bodyPr>
+          <a:lstStyle/>
+          <a:p>
+            <a:pPr algn="ctr"/>
+            <a:r>
+              <a:rPr lang="en-US" sz="1600" b="1" dirty="0">
+                <a:effectLst>
+                  <a:glow rad="101600">
+                    <a:schemeClr val="bg1">
+                      <a:alpha val="40000"/>
+                    </a:schemeClr>
+                  </a:glow>
+                </a:effectLst>
+              </a:rPr>
+              <a:t>1935:</a:t>
+            </a:r>
+          </a:p>
+          <a:p>
+            <a:pPr algn="ctr"/>
+            <a:r>
+              <a:rPr lang="en-US" sz="1600" b="1" dirty="0">
+                <a:effectLst>
+                  <a:glow rad="101600">
+                    <a:schemeClr val="bg1">
+                      <a:alpha val="40000"/>
+                    </a:schemeClr>
+                  </a:glow>
+                </a:effectLst>
+              </a:rPr>
+              <a:t>Charles Richter introduces magnitude scale system</a:t>
+            </a:r>
+          </a:p>
+          <a:p>
+            <a:pPr algn="ctr"/>
+            <a:endParaRPr lang="en-US" sz="1600" b="1" dirty="0">
+              <a:effectLst>
+                <a:glow rad="101600">
+                  <a:schemeClr val="bg1">
+                    <a:alpha val="40000"/>
+                  </a:schemeClr>
+                </a:glow>
+              </a:effectLst>
+            </a:endParaRPr>
+          </a:p>
+        </p:txBody>
+      </p:sp>
     </p:spTree>
     <p:extLst>
       <p:ext uri="{BB962C8B-B14F-4D97-AF65-F5344CB8AC3E}">
@@ -3763,7 +5052,7 @@
         </p:nvSpPr>
         <p:spPr>
           <a:xfrm>
-            <a:off x="3123704" y="477078"/>
+            <a:off x="3123704" y="309298"/>
             <a:ext cx="5944591" cy="1569660"/>
           </a:xfrm>
           <a:prstGeom prst="rect">
@@ -3818,10 +5107,10 @@
       </p:sp>
       <p:pic>
         <p:nvPicPr>
-          <p:cNvPr id="7" name="Picture 6">
-            <a:extLst>
-              <a:ext uri="{FF2B5EF4-FFF2-40B4-BE49-F238E27FC236}">
-                <a16:creationId xmlns:a16="http://schemas.microsoft.com/office/drawing/2014/main" id="{5D22A77E-BE1C-4823-B2FE-4FF08D6B3D9D}"/>
+          <p:cNvPr id="13" name="Picture 12">
+            <a:extLst>
+              <a:ext uri="{FF2B5EF4-FFF2-40B4-BE49-F238E27FC236}">
+                <a16:creationId xmlns:a16="http://schemas.microsoft.com/office/drawing/2014/main" id="{CCC5D513-0928-42F1-ACFF-4B045D16384B}"/>
               </a:ext>
             </a:extLst>
           </p:cNvPr>
@@ -3844,8 +5133,8 @@
         </p:blipFill>
         <p:spPr>
           <a:xfrm>
-            <a:off x="8803382" y="367333"/>
-            <a:ext cx="3352800" cy="4333875"/>
+            <a:off x="6961592" y="2252858"/>
+            <a:ext cx="3546096" cy="1797759"/>
           </a:xfrm>
           <a:prstGeom prst="rect">
             <a:avLst/>
@@ -3854,10 +5143,10 @@
       </p:pic>
       <p:pic>
         <p:nvPicPr>
-          <p:cNvPr id="8" name="Picture 7">
-            <a:extLst>
-              <a:ext uri="{FF2B5EF4-FFF2-40B4-BE49-F238E27FC236}">
-                <a16:creationId xmlns:a16="http://schemas.microsoft.com/office/drawing/2014/main" id="{C4AB92DF-D261-4FCB-88D9-E6121BD7DEBB}"/>
+          <p:cNvPr id="15" name="Picture 14">
+            <a:extLst>
+              <a:ext uri="{FF2B5EF4-FFF2-40B4-BE49-F238E27FC236}">
+                <a16:creationId xmlns:a16="http://schemas.microsoft.com/office/drawing/2014/main" id="{AB6AAE8A-A8DC-4A72-B1DC-787EE6B7A21A}"/>
               </a:ext>
             </a:extLst>
           </p:cNvPr>
@@ -3867,91 +5156,33 @@
           <p:nvPr/>
         </p:nvPicPr>
         <p:blipFill>
-          <a:blip r:embed="rId3"/>
+          <a:blip r:embed="rId3">
+            <a:extLst>
+              <a:ext uri="{28A0092B-C50C-407E-A947-70E740481C1C}">
+                <a14:useLocalDpi xmlns:a14="http://schemas.microsoft.com/office/drawing/2010/main" val="0"/>
+              </a:ext>
+            </a:extLst>
+          </a:blip>
           <a:stretch>
             <a:fillRect/>
           </a:stretch>
         </p:blipFill>
         <p:spPr>
           <a:xfrm>
-            <a:off x="265044" y="1655517"/>
-            <a:ext cx="6281530" cy="3350745"/>
+            <a:off x="6961592" y="4371322"/>
+            <a:ext cx="3546096" cy="1854380"/>
           </a:xfrm>
           <a:prstGeom prst="rect">
             <a:avLst/>
           </a:prstGeom>
         </p:spPr>
       </p:pic>
-      <p:sp>
-        <p:nvSpPr>
-          <p:cNvPr id="9" name="Rectangle 8">
-            <a:extLst>
-              <a:ext uri="{FF2B5EF4-FFF2-40B4-BE49-F238E27FC236}">
-                <a16:creationId xmlns:a16="http://schemas.microsoft.com/office/drawing/2014/main" id="{6D100082-0A11-47C5-B8B7-E23B515D34DC}"/>
-              </a:ext>
-            </a:extLst>
-          </p:cNvPr>
-          <p:cNvSpPr/>
-          <p:nvPr/>
-        </p:nvSpPr>
-        <p:spPr>
-          <a:xfrm>
-            <a:off x="675860" y="477078"/>
-            <a:ext cx="3455305" cy="369332"/>
-          </a:xfrm>
-          <a:prstGeom prst="rect">
-            <a:avLst/>
-          </a:prstGeom>
-        </p:spPr>
-        <p:txBody>
-          <a:bodyPr wrap="none">
-            <a:spAutoFit/>
-          </a:bodyPr>
-          <a:lstStyle/>
-          <a:p>
-            <a:pPr marL="0" marR="0" lvl="0" indent="0" algn="l" defTabSz="914400" rtl="0" eaLnBrk="1" fontAlgn="auto" latinLnBrk="0" hangingPunct="1">
-              <a:lnSpc>
-                <a:spcPct val="100000"/>
-              </a:lnSpc>
-              <a:spcBef>
-                <a:spcPts val="0"/>
-              </a:spcBef>
-              <a:spcAft>
-                <a:spcPts val="0"/>
-              </a:spcAft>
-              <a:buClrTx/>
-              <a:buSzTx/>
-              <a:buFontTx/>
-              <a:buNone/>
-              <a:tabLst/>
-              <a:defRPr/>
-            </a:pPr>
-            <a:r>
-              <a:rPr kumimoji="0" lang="en-US" sz="1800" b="0" i="0" u="none" strike="noStrike" kern="1200" cap="none" spc="0" normalizeH="0" baseline="0" noProof="0" dirty="0">
-                <a:ln>
-                  <a:noFill/>
-                </a:ln>
-                <a:solidFill>
-                  <a:prstClr val="black"/>
-                </a:solidFill>
-                <a:effectLst/>
-                <a:uLnTx/>
-                <a:uFillTx/>
-                <a:latin typeface="Calibri" panose="020F0502020204030204"/>
-                <a:ea typeface="+mn-ea"/>
-                <a:cs typeface="+mn-cs"/>
-              </a:rPr>
-              <a:t>https://shalebubble.org/dbd-map/</a:t>
-            </a:r>
-          </a:p>
-        </p:txBody>
-      </p:sp>
       <p:pic>
         <p:nvPicPr>
-          <p:cNvPr id="13" name="Picture 12">
-            <a:extLst>
-              <a:ext uri="{FF2B5EF4-FFF2-40B4-BE49-F238E27FC236}">
-                <a16:creationId xmlns:a16="http://schemas.microsoft.com/office/drawing/2014/main" id="{CCC5D513-0928-42F1-ACFF-4B045D16384B}"/>
+          <p:cNvPr id="3" name="Picture 2">
+            <a:extLst>
+              <a:ext uri="{FF2B5EF4-FFF2-40B4-BE49-F238E27FC236}">
+                <a16:creationId xmlns:a16="http://schemas.microsoft.com/office/drawing/2014/main" id="{148E0682-834A-4DE8-A242-F42AB74745EA}"/>
               </a:ext>
             </a:extLst>
           </p:cNvPr>
@@ -3974,44 +5205,8 @@
         </p:blipFill>
         <p:spPr>
           <a:xfrm>
-            <a:off x="390029" y="3286745"/>
-            <a:ext cx="5467350" cy="2771775"/>
-          </a:xfrm>
-          <a:prstGeom prst="rect">
-            <a:avLst/>
-          </a:prstGeom>
-        </p:spPr>
-      </p:pic>
-      <p:pic>
-        <p:nvPicPr>
-          <p:cNvPr id="15" name="Picture 14">
-            <a:extLst>
-              <a:ext uri="{FF2B5EF4-FFF2-40B4-BE49-F238E27FC236}">
-                <a16:creationId xmlns:a16="http://schemas.microsoft.com/office/drawing/2014/main" id="{AB6AAE8A-A8DC-4A72-B1DC-787EE6B7A21A}"/>
-              </a:ext>
-            </a:extLst>
-          </p:cNvPr>
-          <p:cNvPicPr>
-            <a:picLocks noChangeAspect="1"/>
-          </p:cNvPicPr>
-          <p:nvPr/>
-        </p:nvPicPr>
-        <p:blipFill>
-          <a:blip r:embed="rId5">
-            <a:extLst>
-              <a:ext uri="{28A0092B-C50C-407E-A947-70E740481C1C}">
-                <a14:useLocalDpi xmlns:a14="http://schemas.microsoft.com/office/drawing/2010/main" val="0"/>
-              </a:ext>
-            </a:extLst>
-          </a:blip>
-          <a:stretch>
-            <a:fillRect/>
-          </a:stretch>
-        </p:blipFill>
-        <p:spPr>
-          <a:xfrm>
-            <a:off x="6027666" y="3343895"/>
-            <a:ext cx="5191125" cy="2714625"/>
+            <a:off x="1017003" y="2252858"/>
+            <a:ext cx="5175818" cy="3972844"/>
           </a:xfrm>
           <a:prstGeom prst="rect">
             <a:avLst/>
@@ -4021,7 +5216,7 @@
     </p:spTree>
     <p:extLst>
       <p:ext uri="{BB962C8B-B14F-4D97-AF65-F5344CB8AC3E}">
-        <p14:creationId xmlns:p14="http://schemas.microsoft.com/office/powerpoint/2010/main" val="2007146298"/>
+        <p14:creationId xmlns:p14="http://schemas.microsoft.com/office/powerpoint/2010/main" val="3021551674"/>
       </p:ext>
     </p:extLst>
   </p:cSld>
@@ -4070,7 +5265,7 @@
         </p:nvSpPr>
         <p:spPr>
           <a:xfrm>
-            <a:off x="3123704" y="477078"/>
+            <a:off x="3123704" y="309298"/>
             <a:ext cx="5944591" cy="1569660"/>
           </a:xfrm>
           <a:prstGeom prst="rect">
@@ -4125,10 +5320,10 @@
       </p:sp>
       <p:pic>
         <p:nvPicPr>
-          <p:cNvPr id="13" name="Picture 12">
-            <a:extLst>
-              <a:ext uri="{FF2B5EF4-FFF2-40B4-BE49-F238E27FC236}">
-                <a16:creationId xmlns:a16="http://schemas.microsoft.com/office/drawing/2014/main" id="{CCC5D513-0928-42F1-ACFF-4B045D16384B}"/>
+          <p:cNvPr id="7" name="Picture 6">
+            <a:extLst>
+              <a:ext uri="{FF2B5EF4-FFF2-40B4-BE49-F238E27FC236}">
+                <a16:creationId xmlns:a16="http://schemas.microsoft.com/office/drawing/2014/main" id="{5D22A77E-BE1C-4823-B2FE-4FF08D6B3D9D}"/>
               </a:ext>
             </a:extLst>
           </p:cNvPr>
@@ -4151,8 +5346,8 @@
         </p:blipFill>
         <p:spPr>
           <a:xfrm>
-            <a:off x="390029" y="3286745"/>
-            <a:ext cx="5467350" cy="2771775"/>
+            <a:off x="8073807" y="1878958"/>
+            <a:ext cx="3144595" cy="4064746"/>
           </a:xfrm>
           <a:prstGeom prst="rect">
             <a:avLst/>
@@ -4161,10 +5356,10 @@
       </p:pic>
       <p:pic>
         <p:nvPicPr>
-          <p:cNvPr id="15" name="Picture 14">
-            <a:extLst>
-              <a:ext uri="{FF2B5EF4-FFF2-40B4-BE49-F238E27FC236}">
-                <a16:creationId xmlns:a16="http://schemas.microsoft.com/office/drawing/2014/main" id="{AB6AAE8A-A8DC-4A72-B1DC-787EE6B7A21A}"/>
+          <p:cNvPr id="8" name="Picture 7">
+            <a:extLst>
+              <a:ext uri="{FF2B5EF4-FFF2-40B4-BE49-F238E27FC236}">
+                <a16:creationId xmlns:a16="http://schemas.microsoft.com/office/drawing/2014/main" id="{C4AB92DF-D261-4FCB-88D9-E6121BD7DEBB}"/>
               </a:ext>
             </a:extLst>
           </p:cNvPr>
@@ -4174,67 +5369,104 @@
           <p:nvPr/>
         </p:nvPicPr>
         <p:blipFill>
-          <a:blip r:embed="rId3">
-            <a:extLst>
-              <a:ext uri="{28A0092B-C50C-407E-A947-70E740481C1C}">
-                <a14:useLocalDpi xmlns:a14="http://schemas.microsoft.com/office/drawing/2010/main" val="0"/>
-              </a:ext>
-            </a:extLst>
-          </a:blip>
+          <a:blip r:embed="rId3"/>
           <a:stretch>
             <a:fillRect/>
           </a:stretch>
         </p:blipFill>
         <p:spPr>
           <a:xfrm>
-            <a:off x="6027666" y="3343895"/>
-            <a:ext cx="5191125" cy="2714625"/>
+            <a:off x="629832" y="1977363"/>
+            <a:ext cx="6281530" cy="3350745"/>
           </a:xfrm>
           <a:prstGeom prst="rect">
             <a:avLst/>
           </a:prstGeom>
         </p:spPr>
       </p:pic>
-      <p:pic>
-        <p:nvPicPr>
-          <p:cNvPr id="3" name="Picture 2">
-            <a:extLst>
-              <a:ext uri="{FF2B5EF4-FFF2-40B4-BE49-F238E27FC236}">
-                <a16:creationId xmlns:a16="http://schemas.microsoft.com/office/drawing/2014/main" id="{148E0682-834A-4DE8-A242-F42AB74745EA}"/>
-              </a:ext>
-            </a:extLst>
-          </p:cNvPr>
-          <p:cNvPicPr>
-            <a:picLocks noChangeAspect="1"/>
-          </p:cNvPicPr>
+      <p:sp>
+        <p:nvSpPr>
+          <p:cNvPr id="9" name="Rectangle 8">
+            <a:extLst>
+              <a:ext uri="{FF2B5EF4-FFF2-40B4-BE49-F238E27FC236}">
+                <a16:creationId xmlns:a16="http://schemas.microsoft.com/office/drawing/2014/main" id="{6D100082-0A11-47C5-B8B7-E23B515D34DC}"/>
+              </a:ext>
+            </a:extLst>
+          </p:cNvPr>
+          <p:cNvSpPr/>
           <p:nvPr/>
-        </p:nvPicPr>
-        <p:blipFill>
-          <a:blip r:embed="rId4">
-            <a:extLst>
-              <a:ext uri="{28A0092B-C50C-407E-A947-70E740481C1C}">
-                <a14:useLocalDpi xmlns:a14="http://schemas.microsoft.com/office/drawing/2010/main" val="0"/>
-              </a:ext>
-            </a:extLst>
-          </a:blip>
-          <a:stretch>
-            <a:fillRect/>
-          </a:stretch>
-        </p:blipFill>
-        <p:spPr>
-          <a:xfrm>
-            <a:off x="219742" y="332238"/>
-            <a:ext cx="4467298" cy="3429000"/>
+        </p:nvSpPr>
+        <p:spPr>
+          <a:xfrm>
+            <a:off x="2042944" y="5574372"/>
+            <a:ext cx="3455305" cy="369332"/>
           </a:xfrm>
           <a:prstGeom prst="rect">
             <a:avLst/>
           </a:prstGeom>
         </p:spPr>
-      </p:pic>
+        <p:txBody>
+          <a:bodyPr wrap="none">
+            <a:spAutoFit/>
+          </a:bodyPr>
+          <a:lstStyle/>
+          <a:p>
+            <a:pPr marL="0" marR="0" lvl="0" indent="0" algn="l" defTabSz="914400" rtl="0" eaLnBrk="1" fontAlgn="auto" latinLnBrk="0" hangingPunct="1">
+              <a:lnSpc>
+                <a:spcPct val="100000"/>
+              </a:lnSpc>
+              <a:spcBef>
+                <a:spcPts val="0"/>
+              </a:spcBef>
+              <a:spcAft>
+                <a:spcPts val="0"/>
+              </a:spcAft>
+              <a:buClrTx/>
+              <a:buSzTx/>
+              <a:buFontTx/>
+              <a:buNone/>
+              <a:tabLst/>
+              <a:defRPr/>
+            </a:pPr>
+            <a:r>
+              <a:rPr kumimoji="0" lang="en-US" sz="1800" b="0" i="0" u="none" strike="noStrike" kern="1200" cap="none" spc="0" normalizeH="0" baseline="0" noProof="0" dirty="0">
+                <a:ln>
+                  <a:noFill/>
+                </a:ln>
+                <a:solidFill>
+                  <a:prstClr val="black"/>
+                </a:solidFill>
+                <a:effectLst/>
+                <a:uLnTx/>
+                <a:uFillTx/>
+                <a:latin typeface="Calibri" panose="020F0502020204030204"/>
+                <a:ea typeface="+mn-ea"/>
+                <a:cs typeface="+mn-cs"/>
+                <a:hlinkClick r:id="rId4"/>
+              </a:rPr>
+              <a:t>https://shalebubble.org/dbd-map/</a:t>
+            </a:r>
+            <a:endParaRPr kumimoji="0" lang="en-US" sz="1800" b="0" i="0" u="none" strike="noStrike" kern="1200" cap="none" spc="0" normalizeH="0" baseline="0" noProof="0" dirty="0">
+              <a:ln>
+                <a:noFill/>
+              </a:ln>
+              <a:solidFill>
+                <a:prstClr val="black"/>
+              </a:solidFill>
+              <a:effectLst/>
+              <a:uLnTx/>
+              <a:uFillTx/>
+              <a:latin typeface="Calibri" panose="020F0502020204030204"/>
+              <a:ea typeface="+mn-ea"/>
+              <a:cs typeface="+mn-cs"/>
+            </a:endParaRPr>
+          </a:p>
+        </p:txBody>
+      </p:sp>
     </p:spTree>
     <p:extLst>
       <p:ext uri="{BB962C8B-B14F-4D97-AF65-F5344CB8AC3E}">
-        <p14:creationId xmlns:p14="http://schemas.microsoft.com/office/powerpoint/2010/main" val="3021551674"/>
+        <p14:creationId xmlns:p14="http://schemas.microsoft.com/office/powerpoint/2010/main" val="2007146298"/>
       </p:ext>
     </p:extLst>
   </p:cSld>
@@ -4433,7 +5665,7 @@
                   </a:glow>
                 </a:effectLst>
               </a:rPr>
-              <a:t>Explore possible factors in unusual earthquake activities</a:t>
+              <a:t>Dataset limited to active wells in 2011-2015</a:t>
             </a:r>
           </a:p>
         </p:txBody>
@@ -4543,47 +5775,6 @@
           </a:p>
         </p:txBody>
       </p:sp>
-      <p:sp>
-        <p:nvSpPr>
-          <p:cNvPr id="2" name="TextBox 1">
-            <a:extLst>
-              <a:ext uri="{FF2B5EF4-FFF2-40B4-BE49-F238E27FC236}">
-                <a16:creationId xmlns:a16="http://schemas.microsoft.com/office/drawing/2014/main" id="{39D698F3-E5D5-4783-838E-FB3ABB1C3927}"/>
-              </a:ext>
-            </a:extLst>
-          </p:cNvPr>
-          <p:cNvSpPr txBox="1"/>
-          <p:nvPr/>
-        </p:nvSpPr>
-        <p:spPr>
-          <a:xfrm>
-            <a:off x="811921" y="2398643"/>
-            <a:ext cx="1569660" cy="646331"/>
-          </a:xfrm>
-          <a:prstGeom prst="rect">
-            <a:avLst/>
-          </a:prstGeom>
-          <a:noFill/>
-        </p:spPr>
-        <p:txBody>
-          <a:bodyPr wrap="none" rtlCol="0">
-            <a:spAutoFit/>
-          </a:bodyPr>
-          <a:lstStyle/>
-          <a:p>
-            <a:r>
-              <a:rPr lang="en-US" dirty="0"/>
-              <a:t>usgs.gov</a:t>
-            </a:r>
-          </a:p>
-          <a:p>
-            <a:r>
-              <a:rPr lang="en-US" dirty="0"/>
-              <a:t>fractracker.org</a:t>
-            </a:r>
-          </a:p>
-        </p:txBody>
-      </p:sp>
       <p:pic>
         <p:nvPicPr>
           <p:cNvPr id="3" name="Picture 2">
@@ -4606,7 +5797,7 @@
         </p:blipFill>
         <p:spPr>
           <a:xfrm>
-            <a:off x="2769497" y="2461878"/>
+            <a:off x="672432" y="4018504"/>
             <a:ext cx="4638675" cy="2200275"/>
           </a:xfrm>
           <a:prstGeom prst="rect">
@@ -4641,8 +5832,80 @@
         </p:blipFill>
         <p:spPr>
           <a:xfrm>
-            <a:off x="3700338" y="4632622"/>
+            <a:off x="5921816" y="4018503"/>
             <a:ext cx="5894236" cy="2066925"/>
+          </a:xfrm>
+          <a:prstGeom prst="rect">
+            <a:avLst/>
+          </a:prstGeom>
+        </p:spPr>
+      </p:pic>
+      <p:pic>
+        <p:nvPicPr>
+          <p:cNvPr id="8" name="Picture 7">
+            <a:extLst>
+              <a:ext uri="{FF2B5EF4-FFF2-40B4-BE49-F238E27FC236}">
+                <a16:creationId xmlns:a16="http://schemas.microsoft.com/office/drawing/2014/main" id="{A467C9FE-837F-4249-B1E3-7ECA011E1EBA}"/>
+              </a:ext>
+            </a:extLst>
+          </p:cNvPr>
+          <p:cNvPicPr>
+            <a:picLocks noChangeAspect="1"/>
+          </p:cNvPicPr>
+          <p:nvPr/>
+        </p:nvPicPr>
+        <p:blipFill>
+          <a:blip r:embed="rId4">
+            <a:extLst>
+              <a:ext uri="{28A0092B-C50C-407E-A947-70E740481C1C}">
+                <a14:useLocalDpi xmlns:a14="http://schemas.microsoft.com/office/drawing/2010/main" val="0"/>
+              </a:ext>
+            </a:extLst>
+          </a:blip>
+          <a:stretch>
+            <a:fillRect/>
+          </a:stretch>
+        </p:blipFill>
+        <p:spPr>
+          <a:xfrm>
+            <a:off x="1880909" y="2467172"/>
+            <a:ext cx="2221719" cy="1168194"/>
+          </a:xfrm>
+          <a:prstGeom prst="rect">
+            <a:avLst/>
+          </a:prstGeom>
+        </p:spPr>
+      </p:pic>
+      <p:pic>
+        <p:nvPicPr>
+          <p:cNvPr id="11" name="Picture 10">
+            <a:extLst>
+              <a:ext uri="{FF2B5EF4-FFF2-40B4-BE49-F238E27FC236}">
+                <a16:creationId xmlns:a16="http://schemas.microsoft.com/office/drawing/2014/main" id="{45EC873F-81DB-4DA1-9E44-0EF4E14DF2F4}"/>
+              </a:ext>
+            </a:extLst>
+          </p:cNvPr>
+          <p:cNvPicPr>
+            <a:picLocks noChangeAspect="1"/>
+          </p:cNvPicPr>
+          <p:nvPr/>
+        </p:nvPicPr>
+        <p:blipFill>
+          <a:blip r:embed="rId5">
+            <a:extLst>
+              <a:ext uri="{28A0092B-C50C-407E-A947-70E740481C1C}">
+                <a14:useLocalDpi xmlns:a14="http://schemas.microsoft.com/office/drawing/2010/main" val="0"/>
+              </a:ext>
+            </a:extLst>
+          </a:blip>
+          <a:stretch>
+            <a:fillRect/>
+          </a:stretch>
+        </p:blipFill>
+        <p:spPr>
+          <a:xfrm>
+            <a:off x="7017460" y="2673539"/>
+            <a:ext cx="3702948" cy="755461"/>
           </a:xfrm>
           <a:prstGeom prst="rect">
             <a:avLst/>
@@ -4782,7 +6045,7 @@
         </p:blipFill>
         <p:spPr>
           <a:xfrm>
-            <a:off x="903135" y="2641144"/>
+            <a:off x="903135" y="2962197"/>
             <a:ext cx="2956891" cy="1575712"/>
           </a:xfrm>
           <a:prstGeom prst="rect">
@@ -4817,8 +6080,8 @@
         </p:blipFill>
         <p:spPr>
           <a:xfrm>
-            <a:off x="3978715" y="2046738"/>
-            <a:ext cx="4346713" cy="3333750"/>
+            <a:off x="8422716" y="2544223"/>
+            <a:ext cx="3144446" cy="2411661"/>
           </a:xfrm>
           <a:prstGeom prst="rect">
             <a:avLst/>
@@ -4852,8 +6115,8 @@
         </p:blipFill>
         <p:spPr>
           <a:xfrm>
-            <a:off x="8417613" y="2046738"/>
-            <a:ext cx="3692388" cy="3333750"/>
+            <a:off x="4771794" y="2544224"/>
+            <a:ext cx="2671103" cy="2411661"/>
           </a:xfrm>
           <a:prstGeom prst="rect">
             <a:avLst/>
@@ -4965,90 +6228,12 @@
           </a:p>
         </p:txBody>
       </p:sp>
-      <p:sp>
-        <p:nvSpPr>
-          <p:cNvPr id="3" name="TextBox 2">
-            <a:extLst>
-              <a:ext uri="{FF2B5EF4-FFF2-40B4-BE49-F238E27FC236}">
-                <a16:creationId xmlns:a16="http://schemas.microsoft.com/office/drawing/2014/main" id="{9D6BF94F-031D-4F69-A3A3-1639BF715268}"/>
-              </a:ext>
-            </a:extLst>
-          </p:cNvPr>
-          <p:cNvSpPr txBox="1"/>
-          <p:nvPr/>
-        </p:nvSpPr>
-        <p:spPr>
-          <a:xfrm>
-            <a:off x="3567345" y="2350395"/>
-            <a:ext cx="5080001" cy="1200329"/>
-          </a:xfrm>
-          <a:prstGeom prst="rect">
-            <a:avLst/>
-          </a:prstGeom>
-          <a:noFill/>
-        </p:spPr>
-        <p:txBody>
-          <a:bodyPr wrap="square" rtlCol="0">
-            <a:spAutoFit/>
-          </a:bodyPr>
-          <a:lstStyle/>
-          <a:p>
-            <a:pPr marL="285750" indent="-285750">
-              <a:buFont typeface="Arial" panose="020B0604020202020204" pitchFamily="34" charset="0"/>
-              <a:buChar char="•"/>
-            </a:pPr>
-            <a:r>
-              <a:rPr lang="en-US" dirty="0">
-                <a:latin typeface="Arial" panose="020B0604020202020204" pitchFamily="34" charset="0"/>
-                <a:cs typeface="Arial" panose="020B0604020202020204" pitchFamily="34" charset="0"/>
-              </a:rPr>
-              <a:t>Actual average earthquakes from 1964-1991</a:t>
-            </a:r>
-          </a:p>
-          <a:p>
-            <a:pPr marL="285750" indent="-285750">
-              <a:buFont typeface="Arial" panose="020B0604020202020204" pitchFamily="34" charset="0"/>
-              <a:buChar char="•"/>
-            </a:pPr>
-            <a:r>
-              <a:rPr lang="en-US" dirty="0">
-                <a:latin typeface="Arial" panose="020B0604020202020204" pitchFamily="34" charset="0"/>
-                <a:cs typeface="Arial" panose="020B0604020202020204" pitchFamily="34" charset="0"/>
-              </a:rPr>
-              <a:t>Forecasting Algorithm for 1992-2019</a:t>
-            </a:r>
-          </a:p>
-          <a:p>
-            <a:pPr marL="285750" indent="-285750">
-              <a:buFont typeface="Arial" panose="020B0604020202020204" pitchFamily="34" charset="0"/>
-              <a:buChar char="•"/>
-            </a:pPr>
-            <a:r>
-              <a:rPr lang="en-US" dirty="0">
-                <a:latin typeface="Arial" panose="020B0604020202020204" pitchFamily="34" charset="0"/>
-                <a:cs typeface="Arial" panose="020B0604020202020204" pitchFamily="34" charset="0"/>
-              </a:rPr>
-              <a:t>MASE of 0.45</a:t>
-            </a:r>
-          </a:p>
-          <a:p>
-            <a:pPr marL="285750" indent="-285750">
-              <a:buFont typeface="Arial" panose="020B0604020202020204" pitchFamily="34" charset="0"/>
-              <a:buChar char="•"/>
-            </a:pPr>
-            <a:endParaRPr lang="en-US" dirty="0">
-              <a:latin typeface="Arial" panose="020B0604020202020204" pitchFamily="34" charset="0"/>
-              <a:cs typeface="Arial" panose="020B0604020202020204" pitchFamily="34" charset="0"/>
-            </a:endParaRPr>
-          </a:p>
-        </p:txBody>
-      </p:sp>
       <p:pic>
         <p:nvPicPr>
-          <p:cNvPr id="6" name="Picture 5" descr="A close up of a map&#10;&#10;Description automatically generated">
-            <a:extLst>
-              <a:ext uri="{FF2B5EF4-FFF2-40B4-BE49-F238E27FC236}">
-                <a16:creationId xmlns:a16="http://schemas.microsoft.com/office/drawing/2014/main" id="{0E8FAF89-00BD-4F4B-B6C5-BCA295FAB808}"/>
+          <p:cNvPr id="7" name="Picture 6" descr="A picture containing text, map, man, group&#10;&#10;Description automatically generated">
+            <a:extLst>
+              <a:ext uri="{FF2B5EF4-FFF2-40B4-BE49-F238E27FC236}">
+                <a16:creationId xmlns:a16="http://schemas.microsoft.com/office/drawing/2014/main" id="{404717A1-44CC-4EE7-93F7-DA5B9647C7FE}"/>
               </a:ext>
             </a:extLst>
           </p:cNvPr>
@@ -5057,7 +6242,7 @@
           </p:cNvPicPr>
           <p:nvPr/>
         </p:nvPicPr>
-        <p:blipFill rotWithShape="1">
+        <p:blipFill>
           <a:blip r:embed="rId2">
             <a:extLst>
               <a:ext uri="{28A0092B-C50C-407E-A947-70E740481C1C}">
@@ -5065,13 +6250,14 @@
               </a:ext>
             </a:extLst>
           </a:blip>
-          <a:srcRect l="813" t="13853" r="750"/>
-          <a:stretch/>
+          <a:stretch>
+            <a:fillRect/>
+          </a:stretch>
         </p:blipFill>
         <p:spPr>
           <a:xfrm>
-            <a:off x="1707029" y="3550724"/>
-            <a:ext cx="8777941" cy="2952718"/>
+            <a:off x="6325361" y="2150247"/>
+            <a:ext cx="4390931" cy="2099750"/>
           </a:xfrm>
           <a:prstGeom prst="rect">
             <a:avLst/>
@@ -5080,10 +6266,10 @@
       </p:pic>
       <p:pic>
         <p:nvPicPr>
-          <p:cNvPr id="4" name="Picture 3" descr="A picture containing knife, table&#10;&#10;Description automatically generated">
-            <a:extLst>
-              <a:ext uri="{FF2B5EF4-FFF2-40B4-BE49-F238E27FC236}">
-                <a16:creationId xmlns:a16="http://schemas.microsoft.com/office/drawing/2014/main" id="{0276DB90-652F-4037-90CB-0CE536161D7B}"/>
+          <p:cNvPr id="8" name="Picture 7" descr="A picture containing text, snow, large, table&#10;&#10;Description automatically generated">
+            <a:extLst>
+              <a:ext uri="{FF2B5EF4-FFF2-40B4-BE49-F238E27FC236}">
+                <a16:creationId xmlns:a16="http://schemas.microsoft.com/office/drawing/2014/main" id="{FE84E0EE-6982-44E6-A842-5E368E5DDB4E}"/>
               </a:ext>
             </a:extLst>
           </p:cNvPr>
@@ -5092,7 +6278,7 @@
           </p:cNvPicPr>
           <p:nvPr/>
         </p:nvPicPr>
-        <p:blipFill rotWithShape="1">
+        <p:blipFill>
           <a:blip r:embed="rId3">
             <a:extLst>
               <a:ext uri="{28A0092B-C50C-407E-A947-70E740481C1C}">
@@ -5100,24 +6286,204 @@
               </a:ext>
             </a:extLst>
           </a:blip>
-          <a:srcRect b="3733"/>
-          <a:stretch/>
+          <a:stretch>
+            <a:fillRect/>
+          </a:stretch>
         </p:blipFill>
         <p:spPr>
           <a:xfrm>
-            <a:off x="2381581" y="3854381"/>
-            <a:ext cx="1590897" cy="669463"/>
+            <a:off x="6325361" y="4404547"/>
+            <a:ext cx="4401831" cy="2219021"/>
+          </a:xfrm>
+          <a:prstGeom prst="rect">
+            <a:avLst/>
+          </a:prstGeom>
+        </p:spPr>
+      </p:pic>
+      <p:sp>
+        <p:nvSpPr>
+          <p:cNvPr id="9" name="TextBox 8">
+            <a:extLst>
+              <a:ext uri="{FF2B5EF4-FFF2-40B4-BE49-F238E27FC236}">
+                <a16:creationId xmlns:a16="http://schemas.microsoft.com/office/drawing/2014/main" id="{3C3C7928-9EEA-4501-A842-467BD9AE4EB2}"/>
+              </a:ext>
+            </a:extLst>
+          </p:cNvPr>
+          <p:cNvSpPr txBox="1"/>
+          <p:nvPr/>
+        </p:nvSpPr>
+        <p:spPr>
+          <a:xfrm>
+            <a:off x="2594601" y="2901095"/>
+            <a:ext cx="1638423" cy="830997"/>
           </a:xfrm>
           <a:prstGeom prst="rect">
             <a:avLst/>
           </a:prstGeom>
           <a:noFill/>
         </p:spPr>
-      </p:pic>
+        <p:txBody>
+          <a:bodyPr wrap="square" rtlCol="0">
+            <a:spAutoFit/>
+          </a:bodyPr>
+          <a:lstStyle/>
+          <a:p>
+            <a:pPr algn="ctr"/>
+            <a:r>
+              <a:rPr lang="en-US" sz="2400" b="1" dirty="0" err="1">
+                <a:effectLst>
+                  <a:glow rad="101600">
+                    <a:schemeClr val="bg1">
+                      <a:alpha val="40000"/>
+                    </a:schemeClr>
+                  </a:glow>
+                </a:effectLst>
+              </a:rPr>
+              <a:t>Prefracking</a:t>
+            </a:r>
+            <a:endParaRPr lang="en-US" sz="2400" b="1" dirty="0">
+              <a:effectLst>
+                <a:glow rad="101600">
+                  <a:schemeClr val="bg1">
+                    <a:alpha val="40000"/>
+                  </a:schemeClr>
+                </a:glow>
+              </a:effectLst>
+            </a:endParaRPr>
+          </a:p>
+          <a:p>
+            <a:pPr algn="ctr"/>
+            <a:r>
+              <a:rPr lang="en-US" sz="2400" b="1" dirty="0">
+                <a:effectLst>
+                  <a:glow rad="101600">
+                    <a:schemeClr val="bg1">
+                      <a:alpha val="40000"/>
+                    </a:schemeClr>
+                  </a:glow>
+                </a:effectLst>
+              </a:rPr>
+              <a:t>1964-1991</a:t>
+            </a:r>
+          </a:p>
+        </p:txBody>
+      </p:sp>
+      <p:sp>
+        <p:nvSpPr>
+          <p:cNvPr id="10" name="TextBox 9">
+            <a:extLst>
+              <a:ext uri="{FF2B5EF4-FFF2-40B4-BE49-F238E27FC236}">
+                <a16:creationId xmlns:a16="http://schemas.microsoft.com/office/drawing/2014/main" id="{984C7822-1956-4B41-BECA-EB815D48B4D1}"/>
+              </a:ext>
+            </a:extLst>
+          </p:cNvPr>
+          <p:cNvSpPr txBox="1"/>
+          <p:nvPr/>
+        </p:nvSpPr>
+        <p:spPr>
+          <a:xfrm>
+            <a:off x="2476664" y="4894228"/>
+            <a:ext cx="1874295" cy="830997"/>
+          </a:xfrm>
+          <a:prstGeom prst="rect">
+            <a:avLst/>
+          </a:prstGeom>
+          <a:noFill/>
+        </p:spPr>
+        <p:txBody>
+          <a:bodyPr wrap="none" rtlCol="0">
+            <a:spAutoFit/>
+          </a:bodyPr>
+          <a:lstStyle/>
+          <a:p>
+            <a:pPr algn="ctr"/>
+            <a:r>
+              <a:rPr lang="en-US" sz="2400" b="1" dirty="0" err="1">
+                <a:effectLst>
+                  <a:glow rad="101600">
+                    <a:schemeClr val="bg1">
+                      <a:alpha val="40000"/>
+                    </a:schemeClr>
+                  </a:glow>
+                </a:effectLst>
+              </a:rPr>
+              <a:t>Postfracking</a:t>
+            </a:r>
+            <a:endParaRPr lang="en-US" sz="2400" b="1" dirty="0">
+              <a:effectLst>
+                <a:glow rad="101600">
+                  <a:schemeClr val="bg1">
+                    <a:alpha val="40000"/>
+                  </a:schemeClr>
+                </a:glow>
+              </a:effectLst>
+            </a:endParaRPr>
+          </a:p>
+          <a:p>
+            <a:pPr algn="ctr"/>
+            <a:r>
+              <a:rPr lang="en-US" sz="2400" b="1" dirty="0">
+                <a:effectLst>
+                  <a:glow rad="101600">
+                    <a:schemeClr val="bg1">
+                      <a:alpha val="40000"/>
+                    </a:schemeClr>
+                  </a:glow>
+                </a:effectLst>
+              </a:rPr>
+              <a:t>1991-Present</a:t>
+            </a:r>
+          </a:p>
+        </p:txBody>
+      </p:sp>
+      <p:sp>
+        <p:nvSpPr>
+          <p:cNvPr id="11" name="TextBox 10">
+            <a:extLst>
+              <a:ext uri="{FF2B5EF4-FFF2-40B4-BE49-F238E27FC236}">
+                <a16:creationId xmlns:a16="http://schemas.microsoft.com/office/drawing/2014/main" id="{47FFE396-EF00-4DF6-968F-F1766878B1E8}"/>
+              </a:ext>
+            </a:extLst>
+          </p:cNvPr>
+          <p:cNvSpPr txBox="1"/>
+          <p:nvPr/>
+        </p:nvSpPr>
+        <p:spPr>
+          <a:xfrm>
+            <a:off x="-38378" y="2046738"/>
+            <a:ext cx="6904383" cy="523220"/>
+          </a:xfrm>
+          <a:prstGeom prst="rect">
+            <a:avLst/>
+          </a:prstGeom>
+          <a:noFill/>
+        </p:spPr>
+        <p:txBody>
+          <a:bodyPr wrap="square" rtlCol="0">
+            <a:spAutoFit/>
+          </a:bodyPr>
+          <a:lstStyle/>
+          <a:p>
+            <a:pPr algn="ctr"/>
+            <a:r>
+              <a:rPr lang="en-US" sz="2800" b="1" dirty="0">
+                <a:effectLst>
+                  <a:glow rad="101600">
+                    <a:schemeClr val="bg1">
+                      <a:alpha val="40000"/>
+                    </a:schemeClr>
+                  </a:glow>
+                </a:effectLst>
+              </a:rPr>
+              <a:t>Comparing Earthquake Activity </a:t>
+            </a:r>
+          </a:p>
+        </p:txBody>
+      </p:sp>
     </p:spTree>
     <p:extLst>
       <p:ext uri="{BB962C8B-B14F-4D97-AF65-F5344CB8AC3E}">
-        <p14:creationId xmlns:p14="http://schemas.microsoft.com/office/powerpoint/2010/main" val="2468292520"/>
+        <p14:creationId xmlns:p14="http://schemas.microsoft.com/office/powerpoint/2010/main" val="3770509007"/>
       </p:ext>
     </p:extLst>
   </p:cSld>
@@ -5219,12 +6585,105 @@
           </a:p>
         </p:txBody>
       </p:sp>
+      <p:sp>
+        <p:nvSpPr>
+          <p:cNvPr id="3" name="TextBox 2">
+            <a:extLst>
+              <a:ext uri="{FF2B5EF4-FFF2-40B4-BE49-F238E27FC236}">
+                <a16:creationId xmlns:a16="http://schemas.microsoft.com/office/drawing/2014/main" id="{9D6BF94F-031D-4F69-A3A3-1639BF715268}"/>
+              </a:ext>
+            </a:extLst>
+          </p:cNvPr>
+          <p:cNvSpPr txBox="1"/>
+          <p:nvPr/>
+        </p:nvSpPr>
+        <p:spPr>
+          <a:xfrm>
+            <a:off x="3567345" y="2350395"/>
+            <a:ext cx="5080001" cy="1200329"/>
+          </a:xfrm>
+          <a:prstGeom prst="rect">
+            <a:avLst/>
+          </a:prstGeom>
+          <a:noFill/>
+        </p:spPr>
+        <p:txBody>
+          <a:bodyPr wrap="square" rtlCol="0">
+            <a:spAutoFit/>
+          </a:bodyPr>
+          <a:lstStyle/>
+          <a:p>
+            <a:pPr indent="-285750">
+              <a:buFont typeface="Arial" panose="020B0604020202020204" pitchFamily="34" charset="0"/>
+              <a:buChar char="•"/>
+            </a:pPr>
+            <a:r>
+              <a:rPr lang="en-US" b="1" dirty="0">
+                <a:effectLst>
+                  <a:glow rad="101600">
+                    <a:schemeClr val="bg1">
+                      <a:alpha val="40000"/>
+                    </a:schemeClr>
+                  </a:glow>
+                </a:effectLst>
+              </a:rPr>
+              <a:t>Actual average earthquakes from 1964-1991</a:t>
+            </a:r>
+          </a:p>
+          <a:p>
+            <a:pPr indent="-285750">
+              <a:buFont typeface="Arial" panose="020B0604020202020204" pitchFamily="34" charset="0"/>
+              <a:buChar char="•"/>
+            </a:pPr>
+            <a:r>
+              <a:rPr lang="en-US" b="1" dirty="0">
+                <a:effectLst>
+                  <a:glow rad="101600">
+                    <a:schemeClr val="bg1">
+                      <a:alpha val="40000"/>
+                    </a:schemeClr>
+                  </a:glow>
+                </a:effectLst>
+              </a:rPr>
+              <a:t>Forecasting Algorithm for 1992-2019</a:t>
+            </a:r>
+          </a:p>
+          <a:p>
+            <a:pPr indent="-285750">
+              <a:buFont typeface="Arial" panose="020B0604020202020204" pitchFamily="34" charset="0"/>
+              <a:buChar char="•"/>
+            </a:pPr>
+            <a:r>
+              <a:rPr lang="en-US" b="1" dirty="0">
+                <a:effectLst>
+                  <a:glow rad="101600">
+                    <a:schemeClr val="bg1">
+                      <a:alpha val="40000"/>
+                    </a:schemeClr>
+                  </a:glow>
+                </a:effectLst>
+              </a:rPr>
+              <a:t>MASE of 0.45</a:t>
+            </a:r>
+          </a:p>
+          <a:p>
+            <a:pPr marL="285750" indent="-285750">
+              <a:buFont typeface="Arial" panose="020B0604020202020204" pitchFamily="34" charset="0"/>
+              <a:buChar char="•"/>
+            </a:pPr>
+            <a:endParaRPr lang="en-US" dirty="0">
+              <a:latin typeface="Arial" panose="020B0604020202020204" pitchFamily="34" charset="0"/>
+              <a:cs typeface="Arial" panose="020B0604020202020204" pitchFamily="34" charset="0"/>
+            </a:endParaRPr>
+          </a:p>
+        </p:txBody>
+      </p:sp>
       <p:pic>
         <p:nvPicPr>
-          <p:cNvPr id="2" name="Picture 1">
-            <a:extLst>
-              <a:ext uri="{FF2B5EF4-FFF2-40B4-BE49-F238E27FC236}">
-                <a16:creationId xmlns:a16="http://schemas.microsoft.com/office/drawing/2014/main" id="{20113850-F43E-4773-AD4B-366E78A42CD1}"/>
+          <p:cNvPr id="6" name="Picture 5" descr="A close up of a map&#10;&#10;Description automatically generated">
+            <a:extLst>
+              <a:ext uri="{FF2B5EF4-FFF2-40B4-BE49-F238E27FC236}">
+                <a16:creationId xmlns:a16="http://schemas.microsoft.com/office/drawing/2014/main" id="{0E8FAF89-00BD-4F4B-B6C5-BCA295FAB808}"/>
               </a:ext>
             </a:extLst>
           </p:cNvPr>
@@ -5233,187 +6692,67 @@
           </p:cNvPicPr>
           <p:nvPr/>
         </p:nvPicPr>
-        <p:blipFill>
-          <a:blip r:embed="rId2"/>
-          <a:stretch>
-            <a:fillRect/>
-          </a:stretch>
+        <p:blipFill rotWithShape="1">
+          <a:blip r:embed="rId2">
+            <a:extLst>
+              <a:ext uri="{28A0092B-C50C-407E-A947-70E740481C1C}">
+                <a14:useLocalDpi xmlns:a14="http://schemas.microsoft.com/office/drawing/2010/main" val="0"/>
+              </a:ext>
+            </a:extLst>
+          </a:blip>
+          <a:srcRect l="813" t="13853" r="750"/>
+          <a:stretch/>
         </p:blipFill>
         <p:spPr>
           <a:xfrm>
-            <a:off x="2263406" y="3849690"/>
-            <a:ext cx="7687879" cy="2337858"/>
+            <a:off x="1707029" y="3550724"/>
+            <a:ext cx="8777941" cy="2952718"/>
           </a:xfrm>
           <a:prstGeom prst="rect">
             <a:avLst/>
           </a:prstGeom>
         </p:spPr>
       </p:pic>
-      <p:sp>
-        <p:nvSpPr>
-          <p:cNvPr id="7" name="TextBox 6">
-            <a:extLst>
-              <a:ext uri="{FF2B5EF4-FFF2-40B4-BE49-F238E27FC236}">
-                <a16:creationId xmlns:a16="http://schemas.microsoft.com/office/drawing/2014/main" id="{51C4D8E9-6546-43E6-8291-C98114F8E020}"/>
-              </a:ext>
-            </a:extLst>
-          </p:cNvPr>
-          <p:cNvSpPr txBox="1"/>
+      <p:pic>
+        <p:nvPicPr>
+          <p:cNvPr id="4" name="Picture 3" descr="A picture containing knife, table&#10;&#10;Description automatically generated">
+            <a:extLst>
+              <a:ext uri="{FF2B5EF4-FFF2-40B4-BE49-F238E27FC236}">
+                <a16:creationId xmlns:a16="http://schemas.microsoft.com/office/drawing/2014/main" id="{0276DB90-652F-4037-90CB-0CE536161D7B}"/>
+              </a:ext>
+            </a:extLst>
+          </p:cNvPr>
+          <p:cNvPicPr>
+            <a:picLocks noChangeAspect="1"/>
+          </p:cNvPicPr>
           <p:nvPr/>
-        </p:nvSpPr>
-        <p:spPr>
-          <a:xfrm>
-            <a:off x="4627430" y="2978922"/>
-            <a:ext cx="2972993" cy="646331"/>
+        </p:nvPicPr>
+        <p:blipFill rotWithShape="1">
+          <a:blip r:embed="rId3">
+            <a:extLst>
+              <a:ext uri="{28A0092B-C50C-407E-A947-70E740481C1C}">
+                <a14:useLocalDpi xmlns:a14="http://schemas.microsoft.com/office/drawing/2010/main" val="0"/>
+              </a:ext>
+            </a:extLst>
+          </a:blip>
+          <a:srcRect b="3733"/>
+          <a:stretch/>
+        </p:blipFill>
+        <p:spPr>
+          <a:xfrm>
+            <a:off x="2381581" y="3854381"/>
+            <a:ext cx="1590897" cy="669463"/>
           </a:xfrm>
           <a:prstGeom prst="rect">
             <a:avLst/>
           </a:prstGeom>
           <a:noFill/>
         </p:spPr>
-        <p:txBody>
-          <a:bodyPr wrap="square" rtlCol="0">
-            <a:spAutoFit/>
-          </a:bodyPr>
-          <a:lstStyle/>
-          <a:p>
-            <a:pPr marL="285750" indent="-285750">
-              <a:buFont typeface="Arial" panose="020B0604020202020204" pitchFamily="34" charset="0"/>
-              <a:buChar char="•"/>
-            </a:pPr>
-            <a:r>
-              <a:rPr lang="en-US" dirty="0">
-                <a:latin typeface="Arial" panose="020B0604020202020204" pitchFamily="34" charset="0"/>
-                <a:cs typeface="Arial" panose="020B0604020202020204" pitchFamily="34" charset="0"/>
-              </a:rPr>
-              <a:t>Estimated slope is </a:t>
-            </a:r>
-            <a:r>
-              <a:rPr lang="en-US" b="1" dirty="0">
-                <a:latin typeface="Arial" panose="020B0604020202020204" pitchFamily="34" charset="0"/>
-                <a:cs typeface="Arial" panose="020B0604020202020204" pitchFamily="34" charset="0"/>
-              </a:rPr>
-              <a:t>-5.6</a:t>
-            </a:r>
-          </a:p>
-          <a:p>
-            <a:pPr marL="285750" indent="-285750">
-              <a:buFont typeface="Arial" panose="020B0604020202020204" pitchFamily="34" charset="0"/>
-              <a:buChar char="•"/>
-            </a:pPr>
-            <a:r>
-              <a:rPr lang="en-US" dirty="0">
-                <a:latin typeface="Arial" panose="020B0604020202020204" pitchFamily="34" charset="0"/>
-                <a:cs typeface="Arial" panose="020B0604020202020204" pitchFamily="34" charset="0"/>
-              </a:rPr>
-              <a:t>Actual slope </a:t>
-            </a:r>
-            <a:r>
-              <a:rPr lang="en-US" b="1" dirty="0">
-                <a:latin typeface="Arial" panose="020B0604020202020204" pitchFamily="34" charset="0"/>
-                <a:cs typeface="Arial" panose="020B0604020202020204" pitchFamily="34" charset="0"/>
-              </a:rPr>
-              <a:t>24.48</a:t>
-            </a:r>
-          </a:p>
-        </p:txBody>
-      </p:sp>
-      <p:sp>
-        <p:nvSpPr>
-          <p:cNvPr id="8" name="Title 1">
-            <a:extLst>
-              <a:ext uri="{FF2B5EF4-FFF2-40B4-BE49-F238E27FC236}">
-                <a16:creationId xmlns:a16="http://schemas.microsoft.com/office/drawing/2014/main" id="{34FFA349-8B5D-4940-BFBA-314E180CC177}"/>
-              </a:ext>
-            </a:extLst>
-          </p:cNvPr>
-          <p:cNvSpPr txBox="1">
-            <a:spLocks/>
-          </p:cNvSpPr>
-          <p:nvPr/>
-        </p:nvSpPr>
-        <p:spPr>
-          <a:xfrm>
-            <a:off x="2026020" y="2245896"/>
-            <a:ext cx="8139953" cy="500797"/>
-          </a:xfrm>
-          <a:prstGeom prst="rect">
-            <a:avLst/>
-          </a:prstGeom>
-        </p:spPr>
-        <p:txBody>
-          <a:bodyPr vert="horz" lIns="91440" tIns="45720" rIns="91440" bIns="45720" rtlCol="0" anchor="ctr">
-            <a:noAutofit/>
-          </a:bodyPr>
-          <a:lstStyle>
-            <a:lvl1pPr algn="l" defTabSz="914400" rtl="0" eaLnBrk="1" latinLnBrk="0" hangingPunct="1">
-              <a:lnSpc>
-                <a:spcPct val="90000"/>
-              </a:lnSpc>
-              <a:spcBef>
-                <a:spcPct val="0"/>
-              </a:spcBef>
-              <a:buNone/>
-              <a:defRPr sz="4400" kern="1200">
-                <a:solidFill>
-                  <a:schemeClr val="tx1"/>
-                </a:solidFill>
-                <a:latin typeface="+mj-lt"/>
-                <a:ea typeface="+mj-ea"/>
-                <a:cs typeface="+mj-cs"/>
-              </a:defRPr>
-            </a:lvl1pPr>
-          </a:lstStyle>
-          <a:p>
-            <a:pPr algn="ctr"/>
-            <a:r>
-              <a:rPr lang="en-US" sz="3600" dirty="0">
-                <a:latin typeface="Arial Black" panose="020B0A04020102020204" pitchFamily="34" charset="0"/>
-              </a:rPr>
-              <a:t>Estimate vs Actual 1991-2019</a:t>
-            </a:r>
-          </a:p>
-        </p:txBody>
-      </p:sp>
-      <p:sp>
-        <p:nvSpPr>
-          <p:cNvPr id="9" name="TextBox 8">
-            <a:extLst>
-              <a:ext uri="{FF2B5EF4-FFF2-40B4-BE49-F238E27FC236}">
-                <a16:creationId xmlns:a16="http://schemas.microsoft.com/office/drawing/2014/main" id="{F8A03809-3E3D-4643-BF00-85B3756C764C}"/>
-              </a:ext>
-            </a:extLst>
-          </p:cNvPr>
-          <p:cNvSpPr txBox="1"/>
-          <p:nvPr/>
-        </p:nvSpPr>
-        <p:spPr>
-          <a:xfrm>
-            <a:off x="5201625" y="6386343"/>
-            <a:ext cx="2398798" cy="369332"/>
-          </a:xfrm>
-          <a:prstGeom prst="rect">
-            <a:avLst/>
-          </a:prstGeom>
-          <a:noFill/>
-        </p:spPr>
-        <p:txBody>
-          <a:bodyPr wrap="none" rtlCol="0">
-            <a:spAutoFit/>
-          </a:bodyPr>
-          <a:lstStyle/>
-          <a:p>
-            <a:r>
-              <a:rPr lang="en-US" dirty="0"/>
-              <a:t>Tableau publication link</a:t>
-            </a:r>
-          </a:p>
-        </p:txBody>
-      </p:sp>
+      </p:pic>
     </p:spTree>
     <p:extLst>
       <p:ext uri="{BB962C8B-B14F-4D97-AF65-F5344CB8AC3E}">
-        <p14:creationId xmlns:p14="http://schemas.microsoft.com/office/powerpoint/2010/main" val="825531615"/>
+        <p14:creationId xmlns:p14="http://schemas.microsoft.com/office/powerpoint/2010/main" val="2468292520"/>
       </p:ext>
     </p:extLst>
   </p:cSld>

--- a/presentation.pptx
+++ b/presentation.pptx
@@ -4306,9 +4306,12 @@
           <a:lstStyle/>
           <a:p>
             <a:r>
-              <a:rPr lang="en-US" dirty="0"/>
+              <a:rPr lang="en-US" dirty="0">
+                <a:hlinkClick r:id="rId3"/>
+              </a:rPr>
               <a:t>Tableau publication link</a:t>
             </a:r>
+            <a:endParaRPr lang="en-US" dirty="0"/>
           </a:p>
         </p:txBody>
       </p:sp>
